--- a/Documentation/Architecture/Modelisation.pptx
+++ b/Documentation/Architecture/Modelisation.pptx
@@ -5,15 +5,14 @@
     <p:sldMasterId id="2147483648" r:id="rId1"/>
   </p:sldMasterIdLst>
   <p:notesMasterIdLst>
-    <p:notesMasterId r:id="rId8"/>
+    <p:notesMasterId r:id="rId7"/>
   </p:notesMasterIdLst>
   <p:sldIdLst>
     <p:sldId id="256" r:id="rId2"/>
     <p:sldId id="262" r:id="rId3"/>
     <p:sldId id="258" r:id="rId4"/>
     <p:sldId id="259" r:id="rId5"/>
-    <p:sldId id="263" r:id="rId6"/>
-    <p:sldId id="261" r:id="rId7"/>
+    <p:sldId id="261" r:id="rId6"/>
   </p:sldIdLst>
   <p:sldSz cx="12192000" cy="6858000"/>
   <p:notesSz cx="6858000" cy="9144000"/>
@@ -544,90 +543,6 @@
     <p:extLst>
       <p:ext uri="{BB962C8B-B14F-4D97-AF65-F5344CB8AC3E}">
         <p14:creationId xmlns:p14="http://schemas.microsoft.com/office/powerpoint/2010/main" val="3476986718"/>
-      </p:ext>
-    </p:extLst>
-  </p:cSld>
-  <p:clrMapOvr>
-    <a:masterClrMapping/>
-  </p:clrMapOvr>
-</p:notes>
-</file>
-
-<file path=ppt/notesSlides/notesSlide2.xml><?xml version="1.0" encoding="utf-8"?>
-<p:notes xmlns:a="http://schemas.openxmlformats.org/drawingml/2006/main" xmlns:r="http://schemas.openxmlformats.org/officeDocument/2006/relationships" xmlns:p="http://schemas.openxmlformats.org/presentationml/2006/main">
-  <p:cSld>
-    <p:spTree>
-      <p:nvGrpSpPr>
-        <p:cNvPr id="1" name=""/>
-        <p:cNvGrpSpPr/>
-        <p:nvPr/>
-      </p:nvGrpSpPr>
-      <p:grpSpPr>
-        <a:xfrm>
-          <a:off x="0" y="0"/>
-          <a:ext cx="0" cy="0"/>
-          <a:chOff x="0" y="0"/>
-          <a:chExt cx="0" cy="0"/>
-        </a:xfrm>
-      </p:grpSpPr>
-      <p:sp>
-        <p:nvSpPr>
-          <p:cNvPr id="2" name="Espace réservé de l'image des diapositives 1"/>
-          <p:cNvSpPr>
-            <a:spLocks noGrp="1" noRot="1" noChangeAspect="1"/>
-          </p:cNvSpPr>
-          <p:nvPr>
-            <p:ph type="sldImg"/>
-          </p:nvPr>
-        </p:nvSpPr>
-        <p:spPr/>
-      </p:sp>
-      <p:sp>
-        <p:nvSpPr>
-          <p:cNvPr id="3" name="Espace réservé des notes 2"/>
-          <p:cNvSpPr>
-            <a:spLocks noGrp="1"/>
-          </p:cNvSpPr>
-          <p:nvPr>
-            <p:ph type="body" idx="1"/>
-          </p:nvPr>
-        </p:nvSpPr>
-        <p:spPr/>
-        <p:txBody>
-          <a:bodyPr/>
-          <a:lstStyle/>
-          <a:p>
-            <a:endParaRPr lang="fr-FR" dirty="0"/>
-          </a:p>
-        </p:txBody>
-      </p:sp>
-      <p:sp>
-        <p:nvSpPr>
-          <p:cNvPr id="4" name="Espace réservé du numéro de diapositive 3"/>
-          <p:cNvSpPr>
-            <a:spLocks noGrp="1"/>
-          </p:cNvSpPr>
-          <p:nvPr>
-            <p:ph type="sldNum" sz="quarter" idx="5"/>
-          </p:nvPr>
-        </p:nvSpPr>
-        <p:spPr/>
-        <p:txBody>
-          <a:bodyPr/>
-          <a:lstStyle/>
-          <a:p>
-            <a:fld id="{78FF78CC-D602-4A9A-B8E5-D0B7B5A0C074}" type="slidenum">
-              <a:rPr lang="fr-FR" smtClean="0"/>
-              <a:t>5</a:t>
-            </a:fld>
-            <a:endParaRPr lang="fr-FR"/>
-          </a:p>
-        </p:txBody>
-      </p:sp>
-    </p:spTree>
-    <p:extLst>
-      <p:ext uri="{BB962C8B-B14F-4D97-AF65-F5344CB8AC3E}">
-        <p14:creationId xmlns:p14="http://schemas.microsoft.com/office/powerpoint/2010/main" val="1979747828"/>
       </p:ext>
     </p:extLst>
   </p:cSld>
@@ -8047,2153 +7962,6 @@
 </file>
 
 <file path=ppt/slides/slide5.xml><?xml version="1.0" encoding="utf-8"?>
-<p:sld xmlns:a="http://schemas.openxmlformats.org/drawingml/2006/main" xmlns:r="http://schemas.openxmlformats.org/officeDocument/2006/relationships" xmlns:p="http://schemas.openxmlformats.org/presentationml/2006/main">
-  <p:cSld>
-    <p:spTree>
-      <p:nvGrpSpPr>
-        <p:cNvPr id="1" name=""/>
-        <p:cNvGrpSpPr/>
-        <p:nvPr/>
-      </p:nvGrpSpPr>
-      <p:grpSpPr>
-        <a:xfrm>
-          <a:off x="0" y="0"/>
-          <a:ext cx="0" cy="0"/>
-          <a:chOff x="0" y="0"/>
-          <a:chExt cx="0" cy="0"/>
-        </a:xfrm>
-      </p:grpSpPr>
-      <p:sp>
-        <p:nvSpPr>
-          <p:cNvPr id="2" name="Rectangle : coins arrondis 1">
-            <a:extLst>
-              <a:ext uri="{FF2B5EF4-FFF2-40B4-BE49-F238E27FC236}">
-                <a16:creationId xmlns:a16="http://schemas.microsoft.com/office/drawing/2014/main" id="{296CB001-5646-490A-B62B-A66B70F073D0}"/>
-              </a:ext>
-            </a:extLst>
-          </p:cNvPr>
-          <p:cNvSpPr/>
-          <p:nvPr/>
-        </p:nvSpPr>
-        <p:spPr>
-          <a:xfrm>
-            <a:off x="-99849" y="-57414"/>
-            <a:ext cx="2110694" cy="771144"/>
-          </a:xfrm>
-          <a:prstGeom prst="roundRect">
-            <a:avLst/>
-          </a:prstGeom>
-          <a:solidFill>
-            <a:schemeClr val="bg1">
-              <a:lumMod val="65000"/>
-            </a:schemeClr>
-          </a:solidFill>
-          <a:ln>
-            <a:noFill/>
-          </a:ln>
-        </p:spPr>
-        <p:style>
-          <a:lnRef idx="2">
-            <a:schemeClr val="accent1">
-              <a:shade val="50000"/>
-            </a:schemeClr>
-          </a:lnRef>
-          <a:fillRef idx="1">
-            <a:schemeClr val="accent1"/>
-          </a:fillRef>
-          <a:effectRef idx="0">
-            <a:schemeClr val="accent1"/>
-          </a:effectRef>
-          <a:fontRef idx="minor">
-            <a:schemeClr val="lt1"/>
-          </a:fontRef>
-        </p:style>
-        <p:txBody>
-          <a:bodyPr rtlCol="0" anchor="ctr"/>
-          <a:lstStyle/>
-          <a:p>
-            <a:pPr algn="ctr"/>
-            <a:endParaRPr lang="fr-FR"/>
-          </a:p>
-        </p:txBody>
-      </p:sp>
-      <p:sp>
-        <p:nvSpPr>
-          <p:cNvPr id="3" name="ZoneTexte 2">
-            <a:extLst>
-              <a:ext uri="{FF2B5EF4-FFF2-40B4-BE49-F238E27FC236}">
-                <a16:creationId xmlns:a16="http://schemas.microsoft.com/office/drawing/2014/main" id="{5526277B-8F9F-4322-B97A-58330073E84B}"/>
-              </a:ext>
-            </a:extLst>
-          </p:cNvPr>
-          <p:cNvSpPr txBox="1"/>
-          <p:nvPr/>
-        </p:nvSpPr>
-        <p:spPr>
-          <a:xfrm>
-            <a:off x="56065" y="59418"/>
-            <a:ext cx="1850136" cy="646331"/>
-          </a:xfrm>
-          <a:prstGeom prst="rect">
-            <a:avLst/>
-          </a:prstGeom>
-          <a:noFill/>
-        </p:spPr>
-        <p:txBody>
-          <a:bodyPr wrap="square" rtlCol="0">
-            <a:spAutoFit/>
-          </a:bodyPr>
-          <a:lstStyle/>
-          <a:p>
-            <a:pPr algn="ctr"/>
-            <a:r>
-              <a:rPr lang="fr-FR" dirty="0" err="1">
-                <a:solidFill>
-                  <a:schemeClr val="bg1"/>
-                </a:solidFill>
-                <a:latin typeface="Abadi Extra Light" panose="020B0204020104020204" pitchFamily="34" charset="0"/>
-              </a:rPr>
-              <a:t>OceanStreamBox</a:t>
-            </a:r>
-            <a:endParaRPr lang="fr-FR" dirty="0">
-              <a:solidFill>
-                <a:schemeClr val="bg1"/>
-              </a:solidFill>
-              <a:latin typeface="Abadi Extra Light" panose="020B0204020104020204" pitchFamily="34" charset="0"/>
-            </a:endParaRPr>
-          </a:p>
-          <a:p>
-            <a:pPr algn="ctr"/>
-            <a:r>
-              <a:rPr lang="fr-FR" dirty="0">
-                <a:solidFill>
-                  <a:schemeClr val="bg1"/>
-                </a:solidFill>
-                <a:latin typeface="Abadi Extra Light" panose="020B0204020104020204" pitchFamily="34" charset="0"/>
-              </a:rPr>
-              <a:t>Flux FTP</a:t>
-            </a:r>
-          </a:p>
-        </p:txBody>
-      </p:sp>
-      <p:sp>
-        <p:nvSpPr>
-          <p:cNvPr id="4" name="Rectangle 3">
-            <a:extLst>
-              <a:ext uri="{FF2B5EF4-FFF2-40B4-BE49-F238E27FC236}">
-                <a16:creationId xmlns:a16="http://schemas.microsoft.com/office/drawing/2014/main" id="{88A3CCEF-FEC3-4D9E-87C4-DDB1455409FF}"/>
-              </a:ext>
-            </a:extLst>
-          </p:cNvPr>
-          <p:cNvSpPr/>
-          <p:nvPr/>
-        </p:nvSpPr>
-        <p:spPr>
-          <a:xfrm>
-            <a:off x="4527638" y="70741"/>
-            <a:ext cx="1417320" cy="461665"/>
-          </a:xfrm>
-          <a:prstGeom prst="rect">
-            <a:avLst/>
-          </a:prstGeom>
-          <a:solidFill>
-            <a:schemeClr val="bg1">
-              <a:lumMod val="50000"/>
-            </a:schemeClr>
-          </a:solidFill>
-          <a:ln>
-            <a:noFill/>
-          </a:ln>
-        </p:spPr>
-        <p:style>
-          <a:lnRef idx="2">
-            <a:schemeClr val="accent1">
-              <a:shade val="50000"/>
-            </a:schemeClr>
-          </a:lnRef>
-          <a:fillRef idx="1">
-            <a:schemeClr val="accent1"/>
-          </a:fillRef>
-          <a:effectRef idx="0">
-            <a:schemeClr val="accent1"/>
-          </a:effectRef>
-          <a:fontRef idx="minor">
-            <a:schemeClr val="lt1"/>
-          </a:fontRef>
-        </p:style>
-        <p:txBody>
-          <a:bodyPr rtlCol="0" anchor="ctr"/>
-          <a:lstStyle/>
-          <a:p>
-            <a:pPr algn="ctr"/>
-            <a:r>
-              <a:rPr lang="fr-FR" sz="1600" dirty="0">
-                <a:latin typeface="Abadi Extra Light" panose="020B0204020104020204" pitchFamily="34" charset="0"/>
-              </a:rPr>
-              <a:t>BOX w/ screen</a:t>
-            </a:r>
-          </a:p>
-        </p:txBody>
-      </p:sp>
-      <p:pic>
-        <p:nvPicPr>
-          <p:cNvPr id="5" name="Graphique 4" descr="Homme">
-            <a:extLst>
-              <a:ext uri="{FF2B5EF4-FFF2-40B4-BE49-F238E27FC236}">
-                <a16:creationId xmlns:a16="http://schemas.microsoft.com/office/drawing/2014/main" id="{E904EFCE-5C33-4722-BAFD-5F4E23E46525}"/>
-              </a:ext>
-            </a:extLst>
-          </p:cNvPr>
-          <p:cNvPicPr>
-            <a:picLocks noChangeAspect="1"/>
-          </p:cNvPicPr>
-          <p:nvPr/>
-        </p:nvPicPr>
-        <p:blipFill>
-          <a:blip r:embed="rId3">
-            <a:extLst>
-              <a:ext uri="{28A0092B-C50C-407E-A947-70E740481C1C}">
-                <a14:useLocalDpi xmlns:a14="http://schemas.microsoft.com/office/drawing/2010/main" val="0"/>
-              </a:ext>
-              <a:ext uri="{96DAC541-7B7A-43D3-8B79-37D633B846F1}">
-                <asvg:svgBlip xmlns:asvg="http://schemas.microsoft.com/office/drawing/2016/SVG/main" r:embed="rId4"/>
-              </a:ext>
-            </a:extLst>
-          </a:blip>
-          <a:stretch>
-            <a:fillRect/>
-          </a:stretch>
-        </p:blipFill>
-        <p:spPr>
-          <a:xfrm>
-            <a:off x="1954931" y="71856"/>
-            <a:ext cx="771144" cy="771144"/>
-          </a:xfrm>
-          <a:prstGeom prst="rect">
-            <a:avLst/>
-          </a:prstGeom>
-        </p:spPr>
-      </p:pic>
-      <p:cxnSp>
-        <p:nvCxnSpPr>
-          <p:cNvPr id="6" name="Connecteur droit 5">
-            <a:extLst>
-              <a:ext uri="{FF2B5EF4-FFF2-40B4-BE49-F238E27FC236}">
-                <a16:creationId xmlns:a16="http://schemas.microsoft.com/office/drawing/2014/main" id="{1F25F3B9-9359-4B07-AA04-318F04A60EA1}"/>
-              </a:ext>
-            </a:extLst>
-          </p:cNvPr>
-          <p:cNvCxnSpPr>
-            <a:cxnSpLocks/>
-          </p:cNvCxnSpPr>
-          <p:nvPr/>
-        </p:nvCxnSpPr>
-        <p:spPr>
-          <a:xfrm>
-            <a:off x="5184177" y="575143"/>
-            <a:ext cx="9406" cy="6282857"/>
-          </a:xfrm>
-          <a:prstGeom prst="line">
-            <a:avLst/>
-          </a:prstGeom>
-          <a:ln w="19050">
-            <a:solidFill>
-              <a:schemeClr val="tx1"/>
-            </a:solidFill>
-            <a:prstDash val="dash"/>
-          </a:ln>
-        </p:spPr>
-        <p:style>
-          <a:lnRef idx="1">
-            <a:schemeClr val="accent1"/>
-          </a:lnRef>
-          <a:fillRef idx="0">
-            <a:schemeClr val="accent1"/>
-          </a:fillRef>
-          <a:effectRef idx="0">
-            <a:schemeClr val="accent1"/>
-          </a:effectRef>
-          <a:fontRef idx="minor">
-            <a:schemeClr val="tx1"/>
-          </a:fontRef>
-        </p:style>
-      </p:cxnSp>
-      <p:cxnSp>
-        <p:nvCxnSpPr>
-          <p:cNvPr id="7" name="Connecteur droit 6">
-            <a:extLst>
-              <a:ext uri="{FF2B5EF4-FFF2-40B4-BE49-F238E27FC236}">
-                <a16:creationId xmlns:a16="http://schemas.microsoft.com/office/drawing/2014/main" id="{49C026C0-C326-4EB2-8EB1-A943C34FACF8}"/>
-              </a:ext>
-            </a:extLst>
-          </p:cNvPr>
-          <p:cNvCxnSpPr>
-            <a:cxnSpLocks/>
-            <a:stCxn id="63" idx="2"/>
-          </p:cNvCxnSpPr>
-          <p:nvPr/>
-        </p:nvCxnSpPr>
-        <p:spPr>
-          <a:xfrm>
-            <a:off x="2370446" y="1202096"/>
-            <a:ext cx="0" cy="5320766"/>
-          </a:xfrm>
-          <a:prstGeom prst="line">
-            <a:avLst/>
-          </a:prstGeom>
-          <a:ln w="19050">
-            <a:solidFill>
-              <a:schemeClr val="tx1"/>
-            </a:solidFill>
-            <a:prstDash val="dash"/>
-          </a:ln>
-        </p:spPr>
-        <p:style>
-          <a:lnRef idx="1">
-            <a:schemeClr val="accent1"/>
-          </a:lnRef>
-          <a:fillRef idx="0">
-            <a:schemeClr val="accent1"/>
-          </a:fillRef>
-          <a:effectRef idx="0">
-            <a:schemeClr val="accent1"/>
-          </a:effectRef>
-          <a:fontRef idx="minor">
-            <a:schemeClr val="tx1"/>
-          </a:fontRef>
-        </p:style>
-      </p:cxnSp>
-      <p:sp>
-        <p:nvSpPr>
-          <p:cNvPr id="8" name="Rectangle 7">
-            <a:extLst>
-              <a:ext uri="{FF2B5EF4-FFF2-40B4-BE49-F238E27FC236}">
-                <a16:creationId xmlns:a16="http://schemas.microsoft.com/office/drawing/2014/main" id="{3621FD58-5F70-43E8-A84F-446B93EF916F}"/>
-              </a:ext>
-            </a:extLst>
-          </p:cNvPr>
-          <p:cNvSpPr/>
-          <p:nvPr/>
-        </p:nvSpPr>
-        <p:spPr>
-          <a:xfrm>
-            <a:off x="5086323" y="1047857"/>
-            <a:ext cx="198742" cy="5536404"/>
-          </a:xfrm>
-          <a:prstGeom prst="rect">
-            <a:avLst/>
-          </a:prstGeom>
-          <a:solidFill>
-            <a:schemeClr val="bg1">
-              <a:lumMod val="50000"/>
-            </a:schemeClr>
-          </a:solidFill>
-          <a:ln>
-            <a:noFill/>
-          </a:ln>
-        </p:spPr>
-        <p:style>
-          <a:lnRef idx="2">
-            <a:schemeClr val="accent1">
-              <a:shade val="50000"/>
-            </a:schemeClr>
-          </a:lnRef>
-          <a:fillRef idx="1">
-            <a:schemeClr val="accent1"/>
-          </a:fillRef>
-          <a:effectRef idx="0">
-            <a:schemeClr val="accent1"/>
-          </a:effectRef>
-          <a:fontRef idx="minor">
-            <a:schemeClr val="lt1"/>
-          </a:fontRef>
-        </p:style>
-        <p:txBody>
-          <a:bodyPr rtlCol="0" anchor="ctr"/>
-          <a:lstStyle/>
-          <a:p>
-            <a:pPr algn="ctr"/>
-            <a:endParaRPr lang="fr-FR" sz="1600" dirty="0">
-              <a:latin typeface="Abadi Extra Light" panose="020B0204020104020204" pitchFamily="34" charset="0"/>
-            </a:endParaRPr>
-          </a:p>
-        </p:txBody>
-      </p:sp>
-      <p:sp>
-        <p:nvSpPr>
-          <p:cNvPr id="9" name="ZoneTexte 8">
-            <a:extLst>
-              <a:ext uri="{FF2B5EF4-FFF2-40B4-BE49-F238E27FC236}">
-                <a16:creationId xmlns:a16="http://schemas.microsoft.com/office/drawing/2014/main" id="{DCEE416B-5413-42A1-9331-A7D297DC004A}"/>
-              </a:ext>
-            </a:extLst>
-          </p:cNvPr>
-          <p:cNvSpPr txBox="1"/>
-          <p:nvPr/>
-        </p:nvSpPr>
-        <p:spPr>
-          <a:xfrm>
-            <a:off x="2593907" y="1047857"/>
-            <a:ext cx="2475539" cy="400110"/>
-          </a:xfrm>
-          <a:prstGeom prst="rect">
-            <a:avLst/>
-          </a:prstGeom>
-          <a:noFill/>
-        </p:spPr>
-        <p:txBody>
-          <a:bodyPr wrap="square" rtlCol="0">
-            <a:spAutoFit/>
-          </a:bodyPr>
-          <a:lstStyle/>
-          <a:p>
-            <a:r>
-              <a:rPr lang="fr-FR" sz="1000" dirty="0"/>
-              <a:t>1.1 : plug la box au réseau électrique, au réseau internet et à la télévision</a:t>
-            </a:r>
-          </a:p>
-        </p:txBody>
-      </p:sp>
-      <p:sp>
-        <p:nvSpPr>
-          <p:cNvPr id="11" name="Rectangle 10">
-            <a:extLst>
-              <a:ext uri="{FF2B5EF4-FFF2-40B4-BE49-F238E27FC236}">
-                <a16:creationId xmlns:a16="http://schemas.microsoft.com/office/drawing/2014/main" id="{E04118FC-6FE0-4E99-BB29-94CBDBED56DB}"/>
-              </a:ext>
-            </a:extLst>
-          </p:cNvPr>
-          <p:cNvSpPr/>
-          <p:nvPr/>
-        </p:nvSpPr>
-        <p:spPr>
-          <a:xfrm>
-            <a:off x="10274464" y="119612"/>
-            <a:ext cx="1417320" cy="461665"/>
-          </a:xfrm>
-          <a:prstGeom prst="rect">
-            <a:avLst/>
-          </a:prstGeom>
-          <a:solidFill>
-            <a:schemeClr val="bg1">
-              <a:lumMod val="50000"/>
-            </a:schemeClr>
-          </a:solidFill>
-          <a:ln>
-            <a:noFill/>
-          </a:ln>
-        </p:spPr>
-        <p:style>
-          <a:lnRef idx="2">
-            <a:schemeClr val="accent1">
-              <a:shade val="50000"/>
-            </a:schemeClr>
-          </a:lnRef>
-          <a:fillRef idx="1">
-            <a:schemeClr val="accent1"/>
-          </a:fillRef>
-          <a:effectRef idx="0">
-            <a:schemeClr val="accent1"/>
-          </a:effectRef>
-          <a:fontRef idx="minor">
-            <a:schemeClr val="lt1"/>
-          </a:fontRef>
-        </p:style>
-        <p:txBody>
-          <a:bodyPr rtlCol="0" anchor="ctr"/>
-          <a:lstStyle/>
-          <a:p>
-            <a:pPr algn="ctr"/>
-            <a:r>
-              <a:rPr lang="fr-FR" sz="1600" dirty="0">
-                <a:latin typeface="Abadi Extra Light" panose="020B0204020104020204" pitchFamily="34" charset="0"/>
-              </a:rPr>
-              <a:t>Serveur Vidéo</a:t>
-            </a:r>
-          </a:p>
-        </p:txBody>
-      </p:sp>
-      <p:cxnSp>
-        <p:nvCxnSpPr>
-          <p:cNvPr id="12" name="Connecteur droit 11">
-            <a:extLst>
-              <a:ext uri="{FF2B5EF4-FFF2-40B4-BE49-F238E27FC236}">
-                <a16:creationId xmlns:a16="http://schemas.microsoft.com/office/drawing/2014/main" id="{93A40F23-B176-4F64-90E9-D3F1BF1E337C}"/>
-              </a:ext>
-            </a:extLst>
-          </p:cNvPr>
-          <p:cNvCxnSpPr>
-            <a:cxnSpLocks/>
-          </p:cNvCxnSpPr>
-          <p:nvPr/>
-        </p:nvCxnSpPr>
-        <p:spPr>
-          <a:xfrm>
-            <a:off x="11004775" y="588693"/>
-            <a:ext cx="12832" cy="5383659"/>
-          </a:xfrm>
-          <a:prstGeom prst="line">
-            <a:avLst/>
-          </a:prstGeom>
-          <a:ln w="19050">
-            <a:solidFill>
-              <a:schemeClr val="tx1"/>
-            </a:solidFill>
-            <a:prstDash val="dash"/>
-          </a:ln>
-        </p:spPr>
-        <p:style>
-          <a:lnRef idx="1">
-            <a:schemeClr val="accent1"/>
-          </a:lnRef>
-          <a:fillRef idx="0">
-            <a:schemeClr val="accent1"/>
-          </a:fillRef>
-          <a:effectRef idx="0">
-            <a:schemeClr val="accent1"/>
-          </a:effectRef>
-          <a:fontRef idx="minor">
-            <a:schemeClr val="tx1"/>
-          </a:fontRef>
-        </p:style>
-      </p:cxnSp>
-      <p:sp>
-        <p:nvSpPr>
-          <p:cNvPr id="13" name="Rectangle 12">
-            <a:extLst>
-              <a:ext uri="{FF2B5EF4-FFF2-40B4-BE49-F238E27FC236}">
-                <a16:creationId xmlns:a16="http://schemas.microsoft.com/office/drawing/2014/main" id="{A17B4E3D-AE3A-4DDD-8D47-00BEC7FDA330}"/>
-              </a:ext>
-            </a:extLst>
-          </p:cNvPr>
-          <p:cNvSpPr/>
-          <p:nvPr/>
-        </p:nvSpPr>
-        <p:spPr>
-          <a:xfrm>
-            <a:off x="10928207" y="2519169"/>
-            <a:ext cx="178800" cy="646273"/>
-          </a:xfrm>
-          <a:prstGeom prst="rect">
-            <a:avLst/>
-          </a:prstGeom>
-          <a:solidFill>
-            <a:schemeClr val="bg1">
-              <a:lumMod val="50000"/>
-            </a:schemeClr>
-          </a:solidFill>
-          <a:ln>
-            <a:noFill/>
-          </a:ln>
-        </p:spPr>
-        <p:style>
-          <a:lnRef idx="2">
-            <a:schemeClr val="accent1">
-              <a:shade val="50000"/>
-            </a:schemeClr>
-          </a:lnRef>
-          <a:fillRef idx="1">
-            <a:schemeClr val="accent1"/>
-          </a:fillRef>
-          <a:effectRef idx="0">
-            <a:schemeClr val="accent1"/>
-          </a:effectRef>
-          <a:fontRef idx="minor">
-            <a:schemeClr val="lt1"/>
-          </a:fontRef>
-        </p:style>
-        <p:txBody>
-          <a:bodyPr rtlCol="0" anchor="ctr"/>
-          <a:lstStyle/>
-          <a:p>
-            <a:pPr algn="ctr"/>
-            <a:endParaRPr lang="fr-FR" sz="1600" dirty="0">
-              <a:latin typeface="Abadi Extra Light" panose="020B0204020104020204" pitchFamily="34" charset="0"/>
-            </a:endParaRPr>
-          </a:p>
-        </p:txBody>
-      </p:sp>
-      <p:grpSp>
-        <p:nvGrpSpPr>
-          <p:cNvPr id="15" name="Groupe 14">
-            <a:extLst>
-              <a:ext uri="{FF2B5EF4-FFF2-40B4-BE49-F238E27FC236}">
-                <a16:creationId xmlns:a16="http://schemas.microsoft.com/office/drawing/2014/main" id="{EFFB426E-17BC-4A11-9BA5-A75A0DBF31CE}"/>
-              </a:ext>
-            </a:extLst>
-          </p:cNvPr>
-          <p:cNvGrpSpPr/>
-          <p:nvPr/>
-        </p:nvGrpSpPr>
-        <p:grpSpPr>
-          <a:xfrm>
-            <a:off x="2415053" y="1347372"/>
-            <a:ext cx="2645758" cy="246220"/>
-            <a:chOff x="4150519" y="1639246"/>
-            <a:chExt cx="1369743" cy="94304"/>
-          </a:xfrm>
-        </p:grpSpPr>
-        <p:cxnSp>
-          <p:nvCxnSpPr>
-            <p:cNvPr id="16" name="Connecteur droit 15">
-              <a:extLst>
-                <a:ext uri="{FF2B5EF4-FFF2-40B4-BE49-F238E27FC236}">
-                  <a16:creationId xmlns:a16="http://schemas.microsoft.com/office/drawing/2014/main" id="{E4197BC1-45D4-4F55-B44A-4F5E14EBBCF3}"/>
-                </a:ext>
-              </a:extLst>
-            </p:cNvPr>
-            <p:cNvCxnSpPr>
-              <a:cxnSpLocks/>
-            </p:cNvCxnSpPr>
-            <p:nvPr/>
-          </p:nvCxnSpPr>
-          <p:spPr>
-            <a:xfrm flipH="1" flipV="1">
-              <a:off x="5472226" y="1639246"/>
-              <a:ext cx="46753" cy="43618"/>
-            </a:xfrm>
-            <a:prstGeom prst="line">
-              <a:avLst/>
-            </a:prstGeom>
-            <a:ln w="19050">
-              <a:solidFill>
-                <a:schemeClr val="bg1">
-                  <a:lumMod val="50000"/>
-                </a:schemeClr>
-              </a:solidFill>
-            </a:ln>
-          </p:spPr>
-          <p:style>
-            <a:lnRef idx="1">
-              <a:schemeClr val="accent1"/>
-            </a:lnRef>
-            <a:fillRef idx="0">
-              <a:schemeClr val="accent1"/>
-            </a:fillRef>
-            <a:effectRef idx="0">
-              <a:schemeClr val="accent1"/>
-            </a:effectRef>
-            <a:fontRef idx="minor">
-              <a:schemeClr val="tx1"/>
-            </a:fontRef>
-          </p:style>
-        </p:cxnSp>
-        <p:cxnSp>
-          <p:nvCxnSpPr>
-            <p:cNvPr id="17" name="Connecteur droit 16">
-              <a:extLst>
-                <a:ext uri="{FF2B5EF4-FFF2-40B4-BE49-F238E27FC236}">
-                  <a16:creationId xmlns:a16="http://schemas.microsoft.com/office/drawing/2014/main" id="{8FEA3819-5CBE-4F8A-8F5F-4881818F2CE4}"/>
-                </a:ext>
-              </a:extLst>
-            </p:cNvPr>
-            <p:cNvCxnSpPr>
-              <a:cxnSpLocks/>
-            </p:cNvCxnSpPr>
-            <p:nvPr/>
-          </p:nvCxnSpPr>
-          <p:spPr>
-            <a:xfrm flipH="1">
-              <a:off x="5472226" y="1681040"/>
-              <a:ext cx="48036" cy="52510"/>
-            </a:xfrm>
-            <a:prstGeom prst="line">
-              <a:avLst/>
-            </a:prstGeom>
-            <a:ln w="19050">
-              <a:solidFill>
-                <a:schemeClr val="bg1">
-                  <a:lumMod val="50000"/>
-                </a:schemeClr>
-              </a:solidFill>
-            </a:ln>
-          </p:spPr>
-          <p:style>
-            <a:lnRef idx="1">
-              <a:schemeClr val="accent1"/>
-            </a:lnRef>
-            <a:fillRef idx="0">
-              <a:schemeClr val="accent1"/>
-            </a:fillRef>
-            <a:effectRef idx="0">
-              <a:schemeClr val="accent1"/>
-            </a:effectRef>
-            <a:fontRef idx="minor">
-              <a:schemeClr val="tx1"/>
-            </a:fontRef>
-          </p:style>
-        </p:cxnSp>
-        <p:cxnSp>
-          <p:nvCxnSpPr>
-            <p:cNvPr id="18" name="Connecteur droit 17">
-              <a:extLst>
-                <a:ext uri="{FF2B5EF4-FFF2-40B4-BE49-F238E27FC236}">
-                  <a16:creationId xmlns:a16="http://schemas.microsoft.com/office/drawing/2014/main" id="{52BCA727-4ED6-4627-A31F-65BE2DE63E71}"/>
-                </a:ext>
-              </a:extLst>
-            </p:cNvPr>
-            <p:cNvCxnSpPr/>
-            <p:nvPr/>
-          </p:nvCxnSpPr>
-          <p:spPr>
-            <a:xfrm flipH="1">
-              <a:off x="4150519" y="1682863"/>
-              <a:ext cx="1368460" cy="0"/>
-            </a:xfrm>
-            <a:prstGeom prst="line">
-              <a:avLst/>
-            </a:prstGeom>
-            <a:ln w="19050">
-              <a:solidFill>
-                <a:schemeClr val="bg1">
-                  <a:lumMod val="50000"/>
-                </a:schemeClr>
-              </a:solidFill>
-            </a:ln>
-          </p:spPr>
-          <p:style>
-            <a:lnRef idx="1">
-              <a:schemeClr val="accent1"/>
-            </a:lnRef>
-            <a:fillRef idx="0">
-              <a:schemeClr val="accent1"/>
-            </a:fillRef>
-            <a:effectRef idx="0">
-              <a:schemeClr val="accent1"/>
-            </a:effectRef>
-            <a:fontRef idx="minor">
-              <a:schemeClr val="tx1"/>
-            </a:fontRef>
-          </p:style>
-        </p:cxnSp>
-      </p:grpSp>
-      <p:sp>
-        <p:nvSpPr>
-          <p:cNvPr id="19" name="Rectangle 18">
-            <a:extLst>
-              <a:ext uri="{FF2B5EF4-FFF2-40B4-BE49-F238E27FC236}">
-                <a16:creationId xmlns:a16="http://schemas.microsoft.com/office/drawing/2014/main" id="{7F1FE540-66AA-47FB-BD4A-8562A9D41D05}"/>
-              </a:ext>
-            </a:extLst>
-          </p:cNvPr>
-          <p:cNvSpPr/>
-          <p:nvPr/>
-        </p:nvSpPr>
-        <p:spPr>
-          <a:xfrm>
-            <a:off x="2311970" y="1339499"/>
-            <a:ext cx="116949" cy="174949"/>
-          </a:xfrm>
-          <a:prstGeom prst="rect">
-            <a:avLst/>
-          </a:prstGeom>
-          <a:solidFill>
-            <a:schemeClr val="bg1">
-              <a:lumMod val="50000"/>
-            </a:schemeClr>
-          </a:solidFill>
-          <a:ln>
-            <a:noFill/>
-          </a:ln>
-        </p:spPr>
-        <p:style>
-          <a:lnRef idx="2">
-            <a:schemeClr val="accent1">
-              <a:shade val="50000"/>
-            </a:schemeClr>
-          </a:lnRef>
-          <a:fillRef idx="1">
-            <a:schemeClr val="accent1"/>
-          </a:fillRef>
-          <a:effectRef idx="0">
-            <a:schemeClr val="accent1"/>
-          </a:effectRef>
-          <a:fontRef idx="minor">
-            <a:schemeClr val="lt1"/>
-          </a:fontRef>
-        </p:style>
-        <p:txBody>
-          <a:bodyPr rtlCol="0" anchor="ctr"/>
-          <a:lstStyle/>
-          <a:p>
-            <a:pPr algn="ctr"/>
-            <a:endParaRPr lang="fr-FR" sz="1600" dirty="0">
-              <a:latin typeface="Abadi Extra Light" panose="020B0204020104020204" pitchFamily="34" charset="0"/>
-            </a:endParaRPr>
-          </a:p>
-        </p:txBody>
-      </p:sp>
-      <p:sp>
-        <p:nvSpPr>
-          <p:cNvPr id="63" name="ZoneTexte 62">
-            <a:extLst>
-              <a:ext uri="{FF2B5EF4-FFF2-40B4-BE49-F238E27FC236}">
-                <a16:creationId xmlns:a16="http://schemas.microsoft.com/office/drawing/2014/main" id="{12E6EA66-7961-4031-A528-C3ED236F1600}"/>
-              </a:ext>
-            </a:extLst>
-          </p:cNvPr>
-          <p:cNvSpPr txBox="1"/>
-          <p:nvPr/>
-        </p:nvSpPr>
-        <p:spPr>
-          <a:xfrm>
-            <a:off x="2109673" y="894319"/>
-            <a:ext cx="521545" cy="307777"/>
-          </a:xfrm>
-          <a:prstGeom prst="rect">
-            <a:avLst/>
-          </a:prstGeom>
-          <a:noFill/>
-        </p:spPr>
-        <p:txBody>
-          <a:bodyPr wrap="square" rtlCol="0">
-            <a:spAutoFit/>
-          </a:bodyPr>
-          <a:lstStyle/>
-          <a:p>
-            <a:r>
-              <a:rPr lang="fr-FR" sz="1400" dirty="0">
-                <a:latin typeface="Abadi Extra Light" panose="020B0204020104020204" pitchFamily="34" charset="0"/>
-              </a:rPr>
-              <a:t>User</a:t>
-            </a:r>
-            <a:endParaRPr lang="fr-FR" sz="1000" dirty="0">
-              <a:latin typeface="Abadi Extra Light" panose="020B0204020104020204" pitchFamily="34" charset="0"/>
-            </a:endParaRPr>
-          </a:p>
-        </p:txBody>
-      </p:sp>
-      <p:cxnSp>
-        <p:nvCxnSpPr>
-          <p:cNvPr id="75" name="Connecteur droit avec flèche 74">
-            <a:extLst>
-              <a:ext uri="{FF2B5EF4-FFF2-40B4-BE49-F238E27FC236}">
-                <a16:creationId xmlns:a16="http://schemas.microsoft.com/office/drawing/2014/main" id="{D7D3A70A-454E-4E1A-B1B5-71D0B77D11E8}"/>
-              </a:ext>
-            </a:extLst>
-          </p:cNvPr>
-          <p:cNvCxnSpPr>
-            <a:cxnSpLocks/>
-          </p:cNvCxnSpPr>
-          <p:nvPr/>
-        </p:nvCxnSpPr>
-        <p:spPr>
-          <a:xfrm flipH="1">
-            <a:off x="2388700" y="2129865"/>
-            <a:ext cx="2621055" cy="0"/>
-          </a:xfrm>
-          <a:prstGeom prst="straightConnector1">
-            <a:avLst/>
-          </a:prstGeom>
-          <a:ln w="19050">
-            <a:solidFill>
-              <a:schemeClr val="bg1">
-                <a:lumMod val="50000"/>
-              </a:schemeClr>
-            </a:solidFill>
-            <a:prstDash val="dash"/>
-            <a:tailEnd type="triangle"/>
-          </a:ln>
-        </p:spPr>
-        <p:style>
-          <a:lnRef idx="1">
-            <a:schemeClr val="dk1"/>
-          </a:lnRef>
-          <a:fillRef idx="0">
-            <a:schemeClr val="dk1"/>
-          </a:fillRef>
-          <a:effectRef idx="0">
-            <a:schemeClr val="dk1"/>
-          </a:effectRef>
-          <a:fontRef idx="minor">
-            <a:schemeClr val="tx1"/>
-          </a:fontRef>
-        </p:style>
-      </p:cxnSp>
-      <p:sp>
-        <p:nvSpPr>
-          <p:cNvPr id="78" name="ZoneTexte 77">
-            <a:extLst>
-              <a:ext uri="{FF2B5EF4-FFF2-40B4-BE49-F238E27FC236}">
-                <a16:creationId xmlns:a16="http://schemas.microsoft.com/office/drawing/2014/main" id="{5D84F080-003D-461D-B9F4-49FC6B60C240}"/>
-              </a:ext>
-            </a:extLst>
-          </p:cNvPr>
-          <p:cNvSpPr txBox="1"/>
-          <p:nvPr/>
-        </p:nvSpPr>
-        <p:spPr>
-          <a:xfrm>
-            <a:off x="3114448" y="1861129"/>
-            <a:ext cx="1324447" cy="246221"/>
-          </a:xfrm>
-          <a:prstGeom prst="rect">
-            <a:avLst/>
-          </a:prstGeom>
-          <a:noFill/>
-        </p:spPr>
-        <p:txBody>
-          <a:bodyPr wrap="square" rtlCol="0">
-            <a:spAutoFit/>
-          </a:bodyPr>
-          <a:lstStyle/>
-          <a:p>
-            <a:r>
-              <a:rPr lang="fr-FR" sz="1000" dirty="0"/>
-              <a:t>1.4 : affiche la vidéo</a:t>
-            </a:r>
-          </a:p>
-        </p:txBody>
-      </p:sp>
-      <p:cxnSp>
-        <p:nvCxnSpPr>
-          <p:cNvPr id="83" name="Connecteur droit avec flèche 82">
-            <a:extLst>
-              <a:ext uri="{FF2B5EF4-FFF2-40B4-BE49-F238E27FC236}">
-                <a16:creationId xmlns:a16="http://schemas.microsoft.com/office/drawing/2014/main" id="{EC67EAA1-78B9-4AB4-AE0E-E655AAF0A1DF}"/>
-              </a:ext>
-            </a:extLst>
-          </p:cNvPr>
-          <p:cNvCxnSpPr>
-            <a:cxnSpLocks/>
-            <a:stCxn id="13" idx="1"/>
-          </p:cNvCxnSpPr>
-          <p:nvPr/>
-        </p:nvCxnSpPr>
-        <p:spPr>
-          <a:xfrm flipH="1">
-            <a:off x="5281792" y="2842306"/>
-            <a:ext cx="5646415" cy="11268"/>
-          </a:xfrm>
-          <a:prstGeom prst="straightConnector1">
-            <a:avLst/>
-          </a:prstGeom>
-          <a:ln w="19050">
-            <a:solidFill>
-              <a:schemeClr val="bg1">
-                <a:lumMod val="50000"/>
-              </a:schemeClr>
-            </a:solidFill>
-            <a:tailEnd type="triangle"/>
-          </a:ln>
-        </p:spPr>
-        <p:style>
-          <a:lnRef idx="1">
-            <a:schemeClr val="dk1"/>
-          </a:lnRef>
-          <a:fillRef idx="0">
-            <a:schemeClr val="dk1"/>
-          </a:fillRef>
-          <a:effectRef idx="0">
-            <a:schemeClr val="dk1"/>
-          </a:effectRef>
-          <a:fontRef idx="minor">
-            <a:schemeClr val="tx1"/>
-          </a:fontRef>
-        </p:style>
-      </p:cxnSp>
-      <p:sp>
-        <p:nvSpPr>
-          <p:cNvPr id="87" name="Rectangle 86">
-            <a:extLst>
-              <a:ext uri="{FF2B5EF4-FFF2-40B4-BE49-F238E27FC236}">
-                <a16:creationId xmlns:a16="http://schemas.microsoft.com/office/drawing/2014/main" id="{1D85CCA1-C1C5-41F9-B4F4-D127FA878A07}"/>
-              </a:ext>
-            </a:extLst>
-          </p:cNvPr>
-          <p:cNvSpPr/>
-          <p:nvPr/>
-        </p:nvSpPr>
-        <p:spPr>
-          <a:xfrm>
-            <a:off x="3994047" y="2491642"/>
-            <a:ext cx="4856886" cy="1770191"/>
-          </a:xfrm>
-          <a:prstGeom prst="rect">
-            <a:avLst/>
-          </a:prstGeom>
-          <a:noFill/>
-          <a:ln>
-            <a:solidFill>
-              <a:schemeClr val="bg1">
-                <a:lumMod val="50000"/>
-              </a:schemeClr>
-            </a:solidFill>
-          </a:ln>
-        </p:spPr>
-        <p:style>
-          <a:lnRef idx="2">
-            <a:schemeClr val="accent1">
-              <a:shade val="50000"/>
-            </a:schemeClr>
-          </a:lnRef>
-          <a:fillRef idx="1">
-            <a:schemeClr val="accent1"/>
-          </a:fillRef>
-          <a:effectRef idx="0">
-            <a:schemeClr val="accent1"/>
-          </a:effectRef>
-          <a:fontRef idx="minor">
-            <a:schemeClr val="lt1"/>
-          </a:fontRef>
-        </p:style>
-        <p:txBody>
-          <a:bodyPr rtlCol="0" anchor="ctr"/>
-          <a:lstStyle/>
-          <a:p>
-            <a:pPr algn="ctr"/>
-            <a:endParaRPr lang="fr-FR">
-              <a:latin typeface="Abadi Extra Light" panose="020B0204020104020204" pitchFamily="34" charset="0"/>
-            </a:endParaRPr>
-          </a:p>
-        </p:txBody>
-      </p:sp>
-      <p:sp>
-        <p:nvSpPr>
-          <p:cNvPr id="88" name="Rectangle 87">
-            <a:extLst>
-              <a:ext uri="{FF2B5EF4-FFF2-40B4-BE49-F238E27FC236}">
-                <a16:creationId xmlns:a16="http://schemas.microsoft.com/office/drawing/2014/main" id="{87BFFC98-10E1-4D26-86B6-FF9A81259791}"/>
-              </a:ext>
-            </a:extLst>
-          </p:cNvPr>
-          <p:cNvSpPr/>
-          <p:nvPr/>
-        </p:nvSpPr>
-        <p:spPr>
-          <a:xfrm>
-            <a:off x="4164370" y="3160253"/>
-            <a:ext cx="728209" cy="530966"/>
-          </a:xfrm>
-          <a:prstGeom prst="rect">
-            <a:avLst/>
-          </a:prstGeom>
-          <a:solidFill>
-            <a:schemeClr val="bg1"/>
-          </a:solidFill>
-          <a:ln>
-            <a:solidFill>
-              <a:schemeClr val="bg1">
-                <a:lumMod val="50000"/>
-              </a:schemeClr>
-            </a:solidFill>
-          </a:ln>
-        </p:spPr>
-        <p:style>
-          <a:lnRef idx="2">
-            <a:schemeClr val="accent1">
-              <a:shade val="50000"/>
-            </a:schemeClr>
-          </a:lnRef>
-          <a:fillRef idx="1">
-            <a:schemeClr val="accent1"/>
-          </a:fillRef>
-          <a:effectRef idx="0">
-            <a:schemeClr val="accent1"/>
-          </a:effectRef>
-          <a:fontRef idx="minor">
-            <a:schemeClr val="lt1"/>
-          </a:fontRef>
-        </p:style>
-        <p:txBody>
-          <a:bodyPr rtlCol="0" anchor="ctr"/>
-          <a:lstStyle/>
-          <a:p>
-            <a:pPr algn="ctr"/>
-            <a:r>
-              <a:rPr lang="fr-FR" sz="800" b="1" dirty="0">
-                <a:solidFill>
-                  <a:schemeClr val="tx1"/>
-                </a:solidFill>
-                <a:latin typeface="Abadi Extra Light" panose="020B0204020104020204" pitchFamily="34" charset="0"/>
-              </a:rPr>
-              <a:t>Time = Time to </a:t>
-            </a:r>
-            <a:r>
-              <a:rPr lang="fr-FR" sz="800" b="1" dirty="0" err="1">
-                <a:solidFill>
-                  <a:schemeClr val="tx1"/>
-                </a:solidFill>
-                <a:latin typeface="Abadi Extra Light" panose="020B0204020104020204" pitchFamily="34" charset="0"/>
-              </a:rPr>
-              <a:t>downoald</a:t>
-            </a:r>
-            <a:endParaRPr lang="fr-FR" sz="800" b="1" dirty="0">
-              <a:solidFill>
-                <a:schemeClr val="tx1"/>
-              </a:solidFill>
-              <a:latin typeface="Abadi Extra Light" panose="020B0204020104020204" pitchFamily="34" charset="0"/>
-            </a:endParaRPr>
-          </a:p>
-        </p:txBody>
-      </p:sp>
-      <p:sp>
-        <p:nvSpPr>
-          <p:cNvPr id="89" name="Rectangle : coins arrondis 88">
-            <a:extLst>
-              <a:ext uri="{FF2B5EF4-FFF2-40B4-BE49-F238E27FC236}">
-                <a16:creationId xmlns:a16="http://schemas.microsoft.com/office/drawing/2014/main" id="{0DAB1D63-8B01-4EDB-BB8E-5F4445188CA6}"/>
-              </a:ext>
-            </a:extLst>
-          </p:cNvPr>
-          <p:cNvSpPr/>
-          <p:nvPr/>
-        </p:nvSpPr>
-        <p:spPr>
-          <a:xfrm>
-            <a:off x="3988873" y="2491641"/>
-            <a:ext cx="587907" cy="187831"/>
-          </a:xfrm>
-          <a:prstGeom prst="roundRect">
-            <a:avLst/>
-          </a:prstGeom>
-          <a:solidFill>
-            <a:schemeClr val="bg1">
-              <a:lumMod val="50000"/>
-            </a:schemeClr>
-          </a:solidFill>
-          <a:ln>
-            <a:solidFill>
-              <a:schemeClr val="bg1">
-                <a:lumMod val="50000"/>
-              </a:schemeClr>
-            </a:solidFill>
-          </a:ln>
-        </p:spPr>
-        <p:style>
-          <a:lnRef idx="2">
-            <a:schemeClr val="accent1">
-              <a:shade val="50000"/>
-            </a:schemeClr>
-          </a:lnRef>
-          <a:fillRef idx="1">
-            <a:schemeClr val="accent1"/>
-          </a:fillRef>
-          <a:effectRef idx="0">
-            <a:schemeClr val="accent1"/>
-          </a:effectRef>
-          <a:fontRef idx="minor">
-            <a:schemeClr val="lt1"/>
-          </a:fontRef>
-        </p:style>
-        <p:txBody>
-          <a:bodyPr rtlCol="0" anchor="ctr"/>
-          <a:lstStyle/>
-          <a:p>
-            <a:pPr algn="ctr"/>
-            <a:r>
-              <a:rPr lang="fr-FR" sz="1000" dirty="0">
-                <a:latin typeface="Abadi Extra Light" panose="020B0204020104020204" pitchFamily="34" charset="0"/>
-              </a:rPr>
-              <a:t>ALT</a:t>
-            </a:r>
-          </a:p>
-        </p:txBody>
-      </p:sp>
-      <p:sp>
-        <p:nvSpPr>
-          <p:cNvPr id="95" name="ZoneTexte 94">
-            <a:extLst>
-              <a:ext uri="{FF2B5EF4-FFF2-40B4-BE49-F238E27FC236}">
-                <a16:creationId xmlns:a16="http://schemas.microsoft.com/office/drawing/2014/main" id="{DB6496EE-A4D9-4EC4-B020-7A8CF3AB16FB}"/>
-              </a:ext>
-            </a:extLst>
-          </p:cNvPr>
-          <p:cNvSpPr txBox="1"/>
-          <p:nvPr/>
-        </p:nvSpPr>
-        <p:spPr>
-          <a:xfrm>
-            <a:off x="5819504" y="2566294"/>
-            <a:ext cx="1996455" cy="246221"/>
-          </a:xfrm>
-          <a:prstGeom prst="rect">
-            <a:avLst/>
-          </a:prstGeom>
-          <a:noFill/>
-        </p:spPr>
-        <p:txBody>
-          <a:bodyPr wrap="square" rtlCol="0">
-            <a:spAutoFit/>
-          </a:bodyPr>
-          <a:lstStyle/>
-          <a:p>
-            <a:r>
-              <a:rPr lang="fr-FR" sz="1000" dirty="0"/>
-              <a:t>2.1 : </a:t>
-            </a:r>
-            <a:r>
-              <a:rPr lang="fr-FR" sz="1000" dirty="0" err="1"/>
-              <a:t>Upload</a:t>
-            </a:r>
-            <a:r>
-              <a:rPr lang="fr-FR" sz="1000" dirty="0"/>
-              <a:t> le fichier vidéo du jour </a:t>
-            </a:r>
-          </a:p>
-        </p:txBody>
-      </p:sp>
-      <p:cxnSp>
-        <p:nvCxnSpPr>
-          <p:cNvPr id="108" name="Connecteur droit avec flèche 107">
-            <a:extLst>
-              <a:ext uri="{FF2B5EF4-FFF2-40B4-BE49-F238E27FC236}">
-                <a16:creationId xmlns:a16="http://schemas.microsoft.com/office/drawing/2014/main" id="{B70BF84C-EB01-4328-883A-3F95E84420AF}"/>
-              </a:ext>
-            </a:extLst>
-          </p:cNvPr>
-          <p:cNvCxnSpPr>
-            <a:cxnSpLocks/>
-          </p:cNvCxnSpPr>
-          <p:nvPr/>
-        </p:nvCxnSpPr>
-        <p:spPr>
-          <a:xfrm>
-            <a:off x="5259080" y="1700377"/>
-            <a:ext cx="3013234" cy="15490"/>
-          </a:xfrm>
-          <a:prstGeom prst="straightConnector1">
-            <a:avLst/>
-          </a:prstGeom>
-          <a:ln w="19050">
-            <a:solidFill>
-              <a:schemeClr val="bg1">
-                <a:lumMod val="50000"/>
-              </a:schemeClr>
-            </a:solidFill>
-            <a:tailEnd type="triangle"/>
-          </a:ln>
-        </p:spPr>
-        <p:style>
-          <a:lnRef idx="1">
-            <a:schemeClr val="dk1"/>
-          </a:lnRef>
-          <a:fillRef idx="0">
-            <a:schemeClr val="dk1"/>
-          </a:fillRef>
-          <a:effectRef idx="0">
-            <a:schemeClr val="dk1"/>
-          </a:effectRef>
-          <a:fontRef idx="minor">
-            <a:schemeClr val="tx1"/>
-          </a:fontRef>
-        </p:style>
-      </p:cxnSp>
-      <p:sp>
-        <p:nvSpPr>
-          <p:cNvPr id="118" name="ZoneTexte 117">
-            <a:extLst>
-              <a:ext uri="{FF2B5EF4-FFF2-40B4-BE49-F238E27FC236}">
-                <a16:creationId xmlns:a16="http://schemas.microsoft.com/office/drawing/2014/main" id="{13514C73-BE1B-4D27-8B25-F80464A80754}"/>
-              </a:ext>
-            </a:extLst>
-          </p:cNvPr>
-          <p:cNvSpPr txBox="1"/>
-          <p:nvPr/>
-        </p:nvSpPr>
-        <p:spPr>
-          <a:xfrm>
-            <a:off x="5750127" y="1298814"/>
-            <a:ext cx="2267184" cy="400110"/>
-          </a:xfrm>
-          <a:prstGeom prst="rect">
-            <a:avLst/>
-          </a:prstGeom>
-          <a:noFill/>
-        </p:spPr>
-        <p:txBody>
-          <a:bodyPr wrap="square" rtlCol="0">
-            <a:spAutoFit/>
-          </a:bodyPr>
-          <a:lstStyle/>
-          <a:p>
-            <a:r>
-              <a:rPr lang="fr-FR" sz="1000" dirty="0"/>
-              <a:t>1.2 : lance la vidéo au time Code correspondant à l’heure actuelle</a:t>
-            </a:r>
-          </a:p>
-        </p:txBody>
-      </p:sp>
-      <p:cxnSp>
-        <p:nvCxnSpPr>
-          <p:cNvPr id="121" name="Connecteur droit avec flèche 120">
-            <a:extLst>
-              <a:ext uri="{FF2B5EF4-FFF2-40B4-BE49-F238E27FC236}">
-                <a16:creationId xmlns:a16="http://schemas.microsoft.com/office/drawing/2014/main" id="{ED9443DE-B2FD-4609-B7FA-AFC144BF1382}"/>
-              </a:ext>
-            </a:extLst>
-          </p:cNvPr>
-          <p:cNvCxnSpPr>
-            <a:cxnSpLocks/>
-          </p:cNvCxnSpPr>
-          <p:nvPr/>
-        </p:nvCxnSpPr>
-        <p:spPr>
-          <a:xfrm flipH="1">
-            <a:off x="5236299" y="1993833"/>
-            <a:ext cx="3060426" cy="0"/>
-          </a:xfrm>
-          <a:prstGeom prst="straightConnector1">
-            <a:avLst/>
-          </a:prstGeom>
-          <a:ln w="19050">
-            <a:solidFill>
-              <a:schemeClr val="bg1">
-                <a:lumMod val="50000"/>
-              </a:schemeClr>
-            </a:solidFill>
-            <a:prstDash val="dash"/>
-            <a:tailEnd type="triangle"/>
-          </a:ln>
-        </p:spPr>
-        <p:style>
-          <a:lnRef idx="1">
-            <a:schemeClr val="dk1"/>
-          </a:lnRef>
-          <a:fillRef idx="0">
-            <a:schemeClr val="dk1"/>
-          </a:fillRef>
-          <a:effectRef idx="0">
-            <a:schemeClr val="dk1"/>
-          </a:effectRef>
-          <a:fontRef idx="minor">
-            <a:schemeClr val="tx1"/>
-          </a:fontRef>
-        </p:style>
-      </p:cxnSp>
-      <p:sp>
-        <p:nvSpPr>
-          <p:cNvPr id="124" name="ZoneTexte 123">
-            <a:extLst>
-              <a:ext uri="{FF2B5EF4-FFF2-40B4-BE49-F238E27FC236}">
-                <a16:creationId xmlns:a16="http://schemas.microsoft.com/office/drawing/2014/main" id="{900CDA2D-2A88-4FFE-9058-A24D76AB6C46}"/>
-              </a:ext>
-            </a:extLst>
-          </p:cNvPr>
-          <p:cNvSpPr txBox="1"/>
-          <p:nvPr/>
-        </p:nvSpPr>
-        <p:spPr>
-          <a:xfrm>
-            <a:off x="6004137" y="1758819"/>
-            <a:ext cx="1109123" cy="246221"/>
-          </a:xfrm>
-          <a:prstGeom prst="rect">
-            <a:avLst/>
-          </a:prstGeom>
-          <a:noFill/>
-        </p:spPr>
-        <p:txBody>
-          <a:bodyPr wrap="square" rtlCol="0">
-            <a:spAutoFit/>
-          </a:bodyPr>
-          <a:lstStyle/>
-          <a:p>
-            <a:r>
-              <a:rPr lang="fr-FR" sz="1000" dirty="0"/>
-              <a:t>1.3 : retour vidéo</a:t>
-            </a:r>
-          </a:p>
-        </p:txBody>
-      </p:sp>
-      <p:grpSp>
-        <p:nvGrpSpPr>
-          <p:cNvPr id="131" name="Groupe 130">
-            <a:extLst>
-              <a:ext uri="{FF2B5EF4-FFF2-40B4-BE49-F238E27FC236}">
-                <a16:creationId xmlns:a16="http://schemas.microsoft.com/office/drawing/2014/main" id="{4E159F9C-C0B6-4421-959E-913E7A18FAEC}"/>
-              </a:ext>
-            </a:extLst>
-          </p:cNvPr>
-          <p:cNvGrpSpPr/>
-          <p:nvPr/>
-        </p:nvGrpSpPr>
-        <p:grpSpPr>
-          <a:xfrm>
-            <a:off x="5236297" y="3401799"/>
-            <a:ext cx="902463" cy="246221"/>
-            <a:chOff x="4150519" y="1639246"/>
-            <a:chExt cx="1369743" cy="94304"/>
-          </a:xfrm>
-        </p:grpSpPr>
-        <p:cxnSp>
-          <p:nvCxnSpPr>
-            <p:cNvPr id="132" name="Connecteur droit 131">
-              <a:extLst>
-                <a:ext uri="{FF2B5EF4-FFF2-40B4-BE49-F238E27FC236}">
-                  <a16:creationId xmlns:a16="http://schemas.microsoft.com/office/drawing/2014/main" id="{7753F1ED-63F8-4949-98AD-BFB7BA15DB90}"/>
-                </a:ext>
-              </a:extLst>
-            </p:cNvPr>
-            <p:cNvCxnSpPr>
-              <a:cxnSpLocks/>
-            </p:cNvCxnSpPr>
-            <p:nvPr/>
-          </p:nvCxnSpPr>
-          <p:spPr>
-            <a:xfrm flipH="1" flipV="1">
-              <a:off x="5472226" y="1639246"/>
-              <a:ext cx="46753" cy="43618"/>
-            </a:xfrm>
-            <a:prstGeom prst="line">
-              <a:avLst/>
-            </a:prstGeom>
-            <a:ln w="19050">
-              <a:solidFill>
-                <a:schemeClr val="bg1">
-                  <a:lumMod val="50000"/>
-                </a:schemeClr>
-              </a:solidFill>
-              <a:prstDash val="dash"/>
-            </a:ln>
-          </p:spPr>
-          <p:style>
-            <a:lnRef idx="1">
-              <a:schemeClr val="accent1"/>
-            </a:lnRef>
-            <a:fillRef idx="0">
-              <a:schemeClr val="accent1"/>
-            </a:fillRef>
-            <a:effectRef idx="0">
-              <a:schemeClr val="accent1"/>
-            </a:effectRef>
-            <a:fontRef idx="minor">
-              <a:schemeClr val="tx1"/>
-            </a:fontRef>
-          </p:style>
-        </p:cxnSp>
-        <p:cxnSp>
-          <p:nvCxnSpPr>
-            <p:cNvPr id="133" name="Connecteur droit 132">
-              <a:extLst>
-                <a:ext uri="{FF2B5EF4-FFF2-40B4-BE49-F238E27FC236}">
-                  <a16:creationId xmlns:a16="http://schemas.microsoft.com/office/drawing/2014/main" id="{9AB9F643-E058-4A7C-A1E9-A43142A93D39}"/>
-                </a:ext>
-              </a:extLst>
-            </p:cNvPr>
-            <p:cNvCxnSpPr>
-              <a:cxnSpLocks/>
-            </p:cNvCxnSpPr>
-            <p:nvPr/>
-          </p:nvCxnSpPr>
-          <p:spPr>
-            <a:xfrm flipH="1">
-              <a:off x="5472226" y="1681040"/>
-              <a:ext cx="48036" cy="52510"/>
-            </a:xfrm>
-            <a:prstGeom prst="line">
-              <a:avLst/>
-            </a:prstGeom>
-            <a:ln w="19050">
-              <a:solidFill>
-                <a:schemeClr val="bg1">
-                  <a:lumMod val="50000"/>
-                </a:schemeClr>
-              </a:solidFill>
-              <a:prstDash val="dash"/>
-            </a:ln>
-          </p:spPr>
-          <p:style>
-            <a:lnRef idx="1">
-              <a:schemeClr val="accent1"/>
-            </a:lnRef>
-            <a:fillRef idx="0">
-              <a:schemeClr val="accent1"/>
-            </a:fillRef>
-            <a:effectRef idx="0">
-              <a:schemeClr val="accent1"/>
-            </a:effectRef>
-            <a:fontRef idx="minor">
-              <a:schemeClr val="tx1"/>
-            </a:fontRef>
-          </p:style>
-        </p:cxnSp>
-        <p:cxnSp>
-          <p:nvCxnSpPr>
-            <p:cNvPr id="134" name="Connecteur droit 133">
-              <a:extLst>
-                <a:ext uri="{FF2B5EF4-FFF2-40B4-BE49-F238E27FC236}">
-                  <a16:creationId xmlns:a16="http://schemas.microsoft.com/office/drawing/2014/main" id="{CBAC27C4-B7FC-4683-B14A-13F3A0291652}"/>
-                </a:ext>
-              </a:extLst>
-            </p:cNvPr>
-            <p:cNvCxnSpPr/>
-            <p:nvPr/>
-          </p:nvCxnSpPr>
-          <p:spPr>
-            <a:xfrm flipH="1">
-              <a:off x="4150519" y="1682863"/>
-              <a:ext cx="1368460" cy="0"/>
-            </a:xfrm>
-            <a:prstGeom prst="line">
-              <a:avLst/>
-            </a:prstGeom>
-            <a:ln w="19050">
-              <a:solidFill>
-                <a:schemeClr val="bg1">
-                  <a:lumMod val="50000"/>
-                </a:schemeClr>
-              </a:solidFill>
-              <a:prstDash val="dash"/>
-            </a:ln>
-          </p:spPr>
-          <p:style>
-            <a:lnRef idx="1">
-              <a:schemeClr val="accent1"/>
-            </a:lnRef>
-            <a:fillRef idx="0">
-              <a:schemeClr val="accent1"/>
-            </a:fillRef>
-            <a:effectRef idx="0">
-              <a:schemeClr val="accent1"/>
-            </a:effectRef>
-            <a:fontRef idx="minor">
-              <a:schemeClr val="tx1"/>
-            </a:fontRef>
-          </p:style>
-        </p:cxnSp>
-      </p:grpSp>
-      <p:cxnSp>
-        <p:nvCxnSpPr>
-          <p:cNvPr id="144" name="Connecteur droit avec flèche 143">
-            <a:extLst>
-              <a:ext uri="{FF2B5EF4-FFF2-40B4-BE49-F238E27FC236}">
-                <a16:creationId xmlns:a16="http://schemas.microsoft.com/office/drawing/2014/main" id="{E901EF86-CCE9-4691-AFF3-A6726F5AC1D6}"/>
-              </a:ext>
-            </a:extLst>
-          </p:cNvPr>
-          <p:cNvCxnSpPr>
-            <a:cxnSpLocks/>
-          </p:cNvCxnSpPr>
-          <p:nvPr/>
-        </p:nvCxnSpPr>
-        <p:spPr>
-          <a:xfrm flipV="1">
-            <a:off x="5236297" y="3983927"/>
-            <a:ext cx="3123059" cy="1"/>
-          </a:xfrm>
-          <a:prstGeom prst="straightConnector1">
-            <a:avLst/>
-          </a:prstGeom>
-          <a:ln w="19050">
-            <a:solidFill>
-              <a:schemeClr val="bg1">
-                <a:lumMod val="50000"/>
-              </a:schemeClr>
-            </a:solidFill>
-            <a:tailEnd type="triangle"/>
-          </a:ln>
-        </p:spPr>
-        <p:style>
-          <a:lnRef idx="1">
-            <a:schemeClr val="dk1"/>
-          </a:lnRef>
-          <a:fillRef idx="0">
-            <a:schemeClr val="dk1"/>
-          </a:fillRef>
-          <a:effectRef idx="0">
-            <a:schemeClr val="dk1"/>
-          </a:effectRef>
-          <a:fontRef idx="minor">
-            <a:schemeClr val="tx1"/>
-          </a:fontRef>
-        </p:style>
-      </p:cxnSp>
-      <p:cxnSp>
-        <p:nvCxnSpPr>
-          <p:cNvPr id="150" name="Connecteur droit avec flèche 149">
-            <a:extLst>
-              <a:ext uri="{FF2B5EF4-FFF2-40B4-BE49-F238E27FC236}">
-                <a16:creationId xmlns:a16="http://schemas.microsoft.com/office/drawing/2014/main" id="{F62518A4-8149-4937-9199-50A99D193519}"/>
-              </a:ext>
-            </a:extLst>
-          </p:cNvPr>
-          <p:cNvCxnSpPr>
-            <a:cxnSpLocks/>
-          </p:cNvCxnSpPr>
-          <p:nvPr/>
-        </p:nvCxnSpPr>
-        <p:spPr>
-          <a:xfrm>
-            <a:off x="5221907" y="4772333"/>
-            <a:ext cx="1601869" cy="15490"/>
-          </a:xfrm>
-          <a:prstGeom prst="straightConnector1">
-            <a:avLst/>
-          </a:prstGeom>
-          <a:ln w="19050">
-            <a:solidFill>
-              <a:schemeClr val="bg1">
-                <a:lumMod val="50000"/>
-              </a:schemeClr>
-            </a:solidFill>
-            <a:tailEnd type="triangle"/>
-          </a:ln>
-        </p:spPr>
-        <p:style>
-          <a:lnRef idx="1">
-            <a:schemeClr val="dk1"/>
-          </a:lnRef>
-          <a:fillRef idx="0">
-            <a:schemeClr val="dk1"/>
-          </a:fillRef>
-          <a:effectRef idx="0">
-            <a:schemeClr val="dk1"/>
-          </a:effectRef>
-          <a:fontRef idx="minor">
-            <a:schemeClr val="tx1"/>
-          </a:fontRef>
-        </p:style>
-      </p:cxnSp>
-      <p:sp>
-        <p:nvSpPr>
-          <p:cNvPr id="153" name="ZoneTexte 152">
-            <a:extLst>
-              <a:ext uri="{FF2B5EF4-FFF2-40B4-BE49-F238E27FC236}">
-                <a16:creationId xmlns:a16="http://schemas.microsoft.com/office/drawing/2014/main" id="{2837C30F-D65E-4466-96DC-9102240EC50B}"/>
-              </a:ext>
-            </a:extLst>
-          </p:cNvPr>
-          <p:cNvSpPr txBox="1"/>
-          <p:nvPr/>
-        </p:nvSpPr>
-        <p:spPr>
-          <a:xfrm>
-            <a:off x="5269718" y="4368414"/>
-            <a:ext cx="1538973" cy="246221"/>
-          </a:xfrm>
-          <a:prstGeom prst="rect">
-            <a:avLst/>
-          </a:prstGeom>
-          <a:noFill/>
-        </p:spPr>
-        <p:txBody>
-          <a:bodyPr wrap="square" rtlCol="0">
-            <a:spAutoFit/>
-          </a:bodyPr>
-          <a:lstStyle/>
-          <a:p>
-            <a:pPr algn="ctr"/>
-            <a:r>
-              <a:rPr lang="fr-FR" sz="1000" dirty="0"/>
-              <a:t>3.1 : lit la vidéo au début</a:t>
-            </a:r>
-          </a:p>
-        </p:txBody>
-      </p:sp>
-      <p:sp>
-        <p:nvSpPr>
-          <p:cNvPr id="157" name="ZoneTexte 156">
-            <a:extLst>
-              <a:ext uri="{FF2B5EF4-FFF2-40B4-BE49-F238E27FC236}">
-                <a16:creationId xmlns:a16="http://schemas.microsoft.com/office/drawing/2014/main" id="{C263F05A-9CAF-4365-AB26-336316FB116A}"/>
-              </a:ext>
-            </a:extLst>
-          </p:cNvPr>
-          <p:cNvSpPr txBox="1"/>
-          <p:nvPr/>
-        </p:nvSpPr>
-        <p:spPr>
-          <a:xfrm>
-            <a:off x="5223369" y="3101193"/>
-            <a:ext cx="1035265" cy="400110"/>
-          </a:xfrm>
-          <a:prstGeom prst="rect">
-            <a:avLst/>
-          </a:prstGeom>
-          <a:noFill/>
-        </p:spPr>
-        <p:txBody>
-          <a:bodyPr wrap="square" rtlCol="0">
-            <a:spAutoFit/>
-          </a:bodyPr>
-          <a:lstStyle/>
-          <a:p>
-            <a:pPr algn="ctr"/>
-            <a:r>
-              <a:rPr lang="fr-FR" sz="1000" dirty="0"/>
-              <a:t>2.2 : Création </a:t>
-            </a:r>
-          </a:p>
-          <a:p>
-            <a:pPr algn="ctr"/>
-            <a:r>
-              <a:rPr lang="fr-FR" sz="1000" dirty="0"/>
-              <a:t>du fichier vidéo</a:t>
-            </a:r>
-          </a:p>
-        </p:txBody>
-      </p:sp>
-      <p:sp>
-        <p:nvSpPr>
-          <p:cNvPr id="158" name="ZoneTexte 157">
-            <a:extLst>
-              <a:ext uri="{FF2B5EF4-FFF2-40B4-BE49-F238E27FC236}">
-                <a16:creationId xmlns:a16="http://schemas.microsoft.com/office/drawing/2014/main" id="{B6CEDE93-0962-4F50-96BB-D6D070B08D26}"/>
-              </a:ext>
-            </a:extLst>
-          </p:cNvPr>
-          <p:cNvSpPr txBox="1"/>
-          <p:nvPr/>
-        </p:nvSpPr>
-        <p:spPr>
-          <a:xfrm>
-            <a:off x="5796454" y="3772975"/>
-            <a:ext cx="2369447" cy="246221"/>
-          </a:xfrm>
-          <a:prstGeom prst="rect">
-            <a:avLst/>
-          </a:prstGeom>
-          <a:noFill/>
-        </p:spPr>
-        <p:txBody>
-          <a:bodyPr wrap="square" rtlCol="0">
-            <a:spAutoFit/>
-          </a:bodyPr>
-          <a:lstStyle/>
-          <a:p>
-            <a:pPr algn="ctr"/>
-            <a:r>
-              <a:rPr lang="fr-FR" sz="1000" dirty="0"/>
-              <a:t>2.3 : suppression du fichier vidéo J-1</a:t>
-            </a:r>
-          </a:p>
-        </p:txBody>
-      </p:sp>
-      <p:cxnSp>
-        <p:nvCxnSpPr>
-          <p:cNvPr id="159" name="Connecteur droit avec flèche 158">
-            <a:extLst>
-              <a:ext uri="{FF2B5EF4-FFF2-40B4-BE49-F238E27FC236}">
-                <a16:creationId xmlns:a16="http://schemas.microsoft.com/office/drawing/2014/main" id="{5324F525-D269-45C3-8EBE-6F9B0C44C1CD}"/>
-              </a:ext>
-            </a:extLst>
-          </p:cNvPr>
-          <p:cNvCxnSpPr>
-            <a:cxnSpLocks/>
-          </p:cNvCxnSpPr>
-          <p:nvPr/>
-        </p:nvCxnSpPr>
-        <p:spPr>
-          <a:xfrm flipH="1">
-            <a:off x="5281792" y="5140447"/>
-            <a:ext cx="1535853" cy="0"/>
-          </a:xfrm>
-          <a:prstGeom prst="straightConnector1">
-            <a:avLst/>
-          </a:prstGeom>
-          <a:ln w="19050">
-            <a:solidFill>
-              <a:schemeClr val="bg1">
-                <a:lumMod val="50000"/>
-              </a:schemeClr>
-            </a:solidFill>
-            <a:prstDash val="dash"/>
-            <a:tailEnd type="triangle"/>
-          </a:ln>
-        </p:spPr>
-        <p:style>
-          <a:lnRef idx="1">
-            <a:schemeClr val="dk1"/>
-          </a:lnRef>
-          <a:fillRef idx="0">
-            <a:schemeClr val="dk1"/>
-          </a:fillRef>
-          <a:effectRef idx="0">
-            <a:schemeClr val="dk1"/>
-          </a:effectRef>
-          <a:fontRef idx="minor">
-            <a:schemeClr val="tx1"/>
-          </a:fontRef>
-        </p:style>
-      </p:cxnSp>
-      <p:sp>
-        <p:nvSpPr>
-          <p:cNvPr id="160" name="ZoneTexte 159">
-            <a:extLst>
-              <a:ext uri="{FF2B5EF4-FFF2-40B4-BE49-F238E27FC236}">
-                <a16:creationId xmlns:a16="http://schemas.microsoft.com/office/drawing/2014/main" id="{27939201-E33A-4AF2-917D-E0E74FFADE16}"/>
-              </a:ext>
-            </a:extLst>
-          </p:cNvPr>
-          <p:cNvSpPr txBox="1"/>
-          <p:nvPr/>
-        </p:nvSpPr>
-        <p:spPr>
-          <a:xfrm>
-            <a:off x="5420954" y="4894226"/>
-            <a:ext cx="1109123" cy="246221"/>
-          </a:xfrm>
-          <a:prstGeom prst="rect">
-            <a:avLst/>
-          </a:prstGeom>
-          <a:noFill/>
-        </p:spPr>
-        <p:txBody>
-          <a:bodyPr wrap="square" rtlCol="0">
-            <a:spAutoFit/>
-          </a:bodyPr>
-          <a:lstStyle/>
-          <a:p>
-            <a:r>
-              <a:rPr lang="fr-FR" sz="1000" dirty="0"/>
-              <a:t>3.2 : retour vidéo</a:t>
-            </a:r>
-          </a:p>
-        </p:txBody>
-      </p:sp>
-      <p:cxnSp>
-        <p:nvCxnSpPr>
-          <p:cNvPr id="165" name="Connecteur droit avec flèche 164">
-            <a:extLst>
-              <a:ext uri="{FF2B5EF4-FFF2-40B4-BE49-F238E27FC236}">
-                <a16:creationId xmlns:a16="http://schemas.microsoft.com/office/drawing/2014/main" id="{FBC382BF-5E9C-4993-ABF5-EB4AD9255D70}"/>
-              </a:ext>
-            </a:extLst>
-          </p:cNvPr>
-          <p:cNvCxnSpPr>
-            <a:cxnSpLocks/>
-          </p:cNvCxnSpPr>
-          <p:nvPr/>
-        </p:nvCxnSpPr>
-        <p:spPr>
-          <a:xfrm flipH="1">
-            <a:off x="2415054" y="5305508"/>
-            <a:ext cx="2652088" cy="0"/>
-          </a:xfrm>
-          <a:prstGeom prst="straightConnector1">
-            <a:avLst/>
-          </a:prstGeom>
-          <a:ln w="19050">
-            <a:solidFill>
-              <a:schemeClr val="bg1">
-                <a:lumMod val="50000"/>
-              </a:schemeClr>
-            </a:solidFill>
-            <a:tailEnd type="triangle"/>
-          </a:ln>
-        </p:spPr>
-        <p:style>
-          <a:lnRef idx="1">
-            <a:schemeClr val="dk1"/>
-          </a:lnRef>
-          <a:fillRef idx="0">
-            <a:schemeClr val="dk1"/>
-          </a:fillRef>
-          <a:effectRef idx="0">
-            <a:schemeClr val="dk1"/>
-          </a:effectRef>
-          <a:fontRef idx="minor">
-            <a:schemeClr val="tx1"/>
-          </a:fontRef>
-        </p:style>
-      </p:cxnSp>
-      <p:sp>
-        <p:nvSpPr>
-          <p:cNvPr id="168" name="ZoneTexte 167">
-            <a:extLst>
-              <a:ext uri="{FF2B5EF4-FFF2-40B4-BE49-F238E27FC236}">
-                <a16:creationId xmlns:a16="http://schemas.microsoft.com/office/drawing/2014/main" id="{2521A2AD-8211-42A7-AEDD-122642E5E7C4}"/>
-              </a:ext>
-            </a:extLst>
-          </p:cNvPr>
-          <p:cNvSpPr txBox="1"/>
-          <p:nvPr/>
-        </p:nvSpPr>
-        <p:spPr>
-          <a:xfrm>
-            <a:off x="3005138" y="5036772"/>
-            <a:ext cx="1324447" cy="246221"/>
-          </a:xfrm>
-          <a:prstGeom prst="rect">
-            <a:avLst/>
-          </a:prstGeom>
-          <a:noFill/>
-        </p:spPr>
-        <p:txBody>
-          <a:bodyPr wrap="square" rtlCol="0">
-            <a:spAutoFit/>
-          </a:bodyPr>
-          <a:lstStyle/>
-          <a:p>
-            <a:r>
-              <a:rPr lang="fr-FR" sz="1000" dirty="0"/>
-              <a:t>3.3 : Affiche la vidéo</a:t>
-            </a:r>
-          </a:p>
-        </p:txBody>
-      </p:sp>
-      <p:cxnSp>
-        <p:nvCxnSpPr>
-          <p:cNvPr id="173" name="Connecteur droit avec flèche 172">
-            <a:extLst>
-              <a:ext uri="{FF2B5EF4-FFF2-40B4-BE49-F238E27FC236}">
-                <a16:creationId xmlns:a16="http://schemas.microsoft.com/office/drawing/2014/main" id="{F5CDD342-F844-4577-B71D-FF024A71633C}"/>
-              </a:ext>
-            </a:extLst>
-          </p:cNvPr>
-          <p:cNvCxnSpPr>
-            <a:cxnSpLocks/>
-          </p:cNvCxnSpPr>
-          <p:nvPr/>
-        </p:nvCxnSpPr>
-        <p:spPr>
-          <a:xfrm>
-            <a:off x="5264245" y="5870830"/>
-            <a:ext cx="1553400" cy="0"/>
-          </a:xfrm>
-          <a:prstGeom prst="straightConnector1">
-            <a:avLst/>
-          </a:prstGeom>
-          <a:ln w="19050">
-            <a:solidFill>
-              <a:schemeClr val="bg1">
-                <a:lumMod val="50000"/>
-              </a:schemeClr>
-            </a:solidFill>
-            <a:tailEnd type="triangle"/>
-          </a:ln>
-        </p:spPr>
-        <p:style>
-          <a:lnRef idx="1">
-            <a:schemeClr val="dk1"/>
-          </a:lnRef>
-          <a:fillRef idx="0">
-            <a:schemeClr val="dk1"/>
-          </a:fillRef>
-          <a:effectRef idx="0">
-            <a:schemeClr val="dk1"/>
-          </a:effectRef>
-          <a:fontRef idx="minor">
-            <a:schemeClr val="tx1"/>
-          </a:fontRef>
-        </p:style>
-      </p:cxnSp>
-      <p:sp>
-        <p:nvSpPr>
-          <p:cNvPr id="175" name="ZoneTexte 174">
-            <a:extLst>
-              <a:ext uri="{FF2B5EF4-FFF2-40B4-BE49-F238E27FC236}">
-                <a16:creationId xmlns:a16="http://schemas.microsoft.com/office/drawing/2014/main" id="{4D34AABC-197D-420C-A0E8-6BA3D0ECB37C}"/>
-              </a:ext>
-            </a:extLst>
-          </p:cNvPr>
-          <p:cNvSpPr txBox="1"/>
-          <p:nvPr/>
-        </p:nvSpPr>
-        <p:spPr>
-          <a:xfrm>
-            <a:off x="5193583" y="5434418"/>
-            <a:ext cx="1538973" cy="400110"/>
-          </a:xfrm>
-          <a:prstGeom prst="rect">
-            <a:avLst/>
-          </a:prstGeom>
-          <a:noFill/>
-        </p:spPr>
-        <p:txBody>
-          <a:bodyPr wrap="square" rtlCol="0">
-            <a:spAutoFit/>
-          </a:bodyPr>
-          <a:lstStyle/>
-          <a:p>
-            <a:pPr algn="ctr"/>
-            <a:r>
-              <a:rPr lang="fr-FR" sz="1000" dirty="0"/>
-              <a:t>4.1 : relance la vidéo au début</a:t>
-            </a:r>
-          </a:p>
-        </p:txBody>
-      </p:sp>
-      <p:cxnSp>
-        <p:nvCxnSpPr>
-          <p:cNvPr id="176" name="Connecteur droit avec flèche 175">
-            <a:extLst>
-              <a:ext uri="{FF2B5EF4-FFF2-40B4-BE49-F238E27FC236}">
-                <a16:creationId xmlns:a16="http://schemas.microsoft.com/office/drawing/2014/main" id="{85B9A60C-7FB0-482C-9FD7-54F6059DF8D7}"/>
-              </a:ext>
-            </a:extLst>
-          </p:cNvPr>
-          <p:cNvCxnSpPr>
-            <a:cxnSpLocks/>
-          </p:cNvCxnSpPr>
-          <p:nvPr/>
-        </p:nvCxnSpPr>
-        <p:spPr>
-          <a:xfrm flipH="1">
-            <a:off x="5280391" y="6198010"/>
-            <a:ext cx="1535853" cy="0"/>
-          </a:xfrm>
-          <a:prstGeom prst="straightConnector1">
-            <a:avLst/>
-          </a:prstGeom>
-          <a:ln w="19050">
-            <a:solidFill>
-              <a:schemeClr val="bg1">
-                <a:lumMod val="50000"/>
-              </a:schemeClr>
-            </a:solidFill>
-            <a:prstDash val="dash"/>
-            <a:tailEnd type="triangle"/>
-          </a:ln>
-        </p:spPr>
-        <p:style>
-          <a:lnRef idx="1">
-            <a:schemeClr val="dk1"/>
-          </a:lnRef>
-          <a:fillRef idx="0">
-            <a:schemeClr val="dk1"/>
-          </a:fillRef>
-          <a:effectRef idx="0">
-            <a:schemeClr val="dk1"/>
-          </a:effectRef>
-          <a:fontRef idx="minor">
-            <a:schemeClr val="tx1"/>
-          </a:fontRef>
-        </p:style>
-      </p:cxnSp>
-      <p:cxnSp>
-        <p:nvCxnSpPr>
-          <p:cNvPr id="178" name="Connecteur droit avec flèche 177">
-            <a:extLst>
-              <a:ext uri="{FF2B5EF4-FFF2-40B4-BE49-F238E27FC236}">
-                <a16:creationId xmlns:a16="http://schemas.microsoft.com/office/drawing/2014/main" id="{19FD3BAB-6D57-4E87-A577-F33165EDF3E6}"/>
-              </a:ext>
-            </a:extLst>
-          </p:cNvPr>
-          <p:cNvCxnSpPr>
-            <a:cxnSpLocks/>
-          </p:cNvCxnSpPr>
-          <p:nvPr/>
-        </p:nvCxnSpPr>
-        <p:spPr>
-          <a:xfrm flipH="1">
-            <a:off x="2428919" y="6337911"/>
-            <a:ext cx="2764664" cy="0"/>
-          </a:xfrm>
-          <a:prstGeom prst="straightConnector1">
-            <a:avLst/>
-          </a:prstGeom>
-          <a:ln w="19050">
-            <a:solidFill>
-              <a:schemeClr val="bg1">
-                <a:lumMod val="50000"/>
-              </a:schemeClr>
-            </a:solidFill>
-            <a:tailEnd type="triangle"/>
-          </a:ln>
-        </p:spPr>
-        <p:style>
-          <a:lnRef idx="1">
-            <a:schemeClr val="dk1"/>
-          </a:lnRef>
-          <a:fillRef idx="0">
-            <a:schemeClr val="dk1"/>
-          </a:fillRef>
-          <a:effectRef idx="0">
-            <a:schemeClr val="dk1"/>
-          </a:effectRef>
-          <a:fontRef idx="minor">
-            <a:schemeClr val="tx1"/>
-          </a:fontRef>
-        </p:style>
-      </p:cxnSp>
-      <p:sp>
-        <p:nvSpPr>
-          <p:cNvPr id="181" name="ZoneTexte 180">
-            <a:extLst>
-              <a:ext uri="{FF2B5EF4-FFF2-40B4-BE49-F238E27FC236}">
-                <a16:creationId xmlns:a16="http://schemas.microsoft.com/office/drawing/2014/main" id="{BC15B904-D686-4A13-B86B-F98881BE961D}"/>
-              </a:ext>
-            </a:extLst>
-          </p:cNvPr>
-          <p:cNvSpPr txBox="1"/>
-          <p:nvPr/>
-        </p:nvSpPr>
-        <p:spPr>
-          <a:xfrm>
-            <a:off x="3037003" y="6040380"/>
-            <a:ext cx="1324447" cy="246221"/>
-          </a:xfrm>
-          <a:prstGeom prst="rect">
-            <a:avLst/>
-          </a:prstGeom>
-          <a:noFill/>
-        </p:spPr>
-        <p:txBody>
-          <a:bodyPr wrap="square" rtlCol="0">
-            <a:spAutoFit/>
-          </a:bodyPr>
-          <a:lstStyle/>
-          <a:p>
-            <a:r>
-              <a:rPr lang="fr-FR" sz="1000" dirty="0"/>
-              <a:t>4.3 : Affiche la vidéo</a:t>
-            </a:r>
-          </a:p>
-        </p:txBody>
-      </p:sp>
-      <p:sp>
-        <p:nvSpPr>
-          <p:cNvPr id="182" name="ZoneTexte 181">
-            <a:extLst>
-              <a:ext uri="{FF2B5EF4-FFF2-40B4-BE49-F238E27FC236}">
-                <a16:creationId xmlns:a16="http://schemas.microsoft.com/office/drawing/2014/main" id="{9D143594-CA03-4BA5-B1BA-D7C6F5F6E49B}"/>
-              </a:ext>
-            </a:extLst>
-          </p:cNvPr>
-          <p:cNvSpPr txBox="1"/>
-          <p:nvPr/>
-        </p:nvSpPr>
-        <p:spPr>
-          <a:xfrm>
-            <a:off x="5435261" y="5942882"/>
-            <a:ext cx="1109123" cy="246221"/>
-          </a:xfrm>
-          <a:prstGeom prst="rect">
-            <a:avLst/>
-          </a:prstGeom>
-          <a:noFill/>
-        </p:spPr>
-        <p:txBody>
-          <a:bodyPr wrap="square" rtlCol="0">
-            <a:spAutoFit/>
-          </a:bodyPr>
-          <a:lstStyle/>
-          <a:p>
-            <a:r>
-              <a:rPr lang="fr-FR" sz="1000" dirty="0"/>
-              <a:t>4.2 : retour vidéo</a:t>
-            </a:r>
-          </a:p>
-        </p:txBody>
-      </p:sp>
-    </p:spTree>
-    <p:extLst>
-      <p:ext uri="{BB962C8B-B14F-4D97-AF65-F5344CB8AC3E}">
-        <p14:creationId xmlns:p14="http://schemas.microsoft.com/office/powerpoint/2010/main" val="200054297"/>
-      </p:ext>
-    </p:extLst>
-  </p:cSld>
-  <p:clrMapOvr>
-    <a:masterClrMapping/>
-  </p:clrMapOvr>
-  <mc:AlternateContent xmlns:mc="http://schemas.openxmlformats.org/markup-compatibility/2006" xmlns:p14="http://schemas.microsoft.com/office/powerpoint/2010/main">
-    <mc:Choice Requires="p14">
-      <p:transition>
-        <p14:ripple/>
-      </p:transition>
-    </mc:Choice>
-    <mc:Fallback xmlns="">
-      <p:transition>
-        <p:fade/>
-      </p:transition>
-    </mc:Fallback>
-  </mc:AlternateContent>
-</p:sld>
-</file>
-
-<file path=ppt/slides/slide6.xml><?xml version="1.0" encoding="utf-8"?>
 <p:sld xmlns:a="http://schemas.openxmlformats.org/drawingml/2006/main" xmlns:r="http://schemas.openxmlformats.org/officeDocument/2006/relationships" xmlns:p="http://schemas.openxmlformats.org/presentationml/2006/main">
   <p:cSld>
     <p:spTree>

--- a/Documentation/Architecture/Modelisation.pptx
+++ b/Documentation/Architecture/Modelisation.pptx
@@ -201,7 +201,7 @@
           <a:p>
             <a:fld id="{A9E80594-54FB-402A-8C9D-43E1F6773999}" type="datetimeFigureOut">
               <a:rPr lang="fr-FR" smtClean="0"/>
-              <a:t>28/12/2019</a:t>
+              <a:t>29/12/2019</a:t>
             </a:fld>
             <a:endParaRPr lang="fr-FR"/>
           </a:p>
@@ -714,7 +714,7 @@
             <a:fld id="{938FC91C-8F72-4FC3-9EE1-E00D3E055101}" type="datetimeFigureOut">
               <a:rPr lang="fr-FR" smtClean="0"/>
               <a:pPr/>
-              <a:t>28/12/2019</a:t>
+              <a:t>29/12/2019</a:t>
             </a:fld>
             <a:endParaRPr lang="fr-FR" dirty="0"/>
           </a:p>
@@ -929,7 +929,7 @@
             <a:fld id="{938FC91C-8F72-4FC3-9EE1-E00D3E055101}" type="datetimeFigureOut">
               <a:rPr lang="fr-FR" smtClean="0"/>
               <a:pPr/>
-              <a:t>28/12/2019</a:t>
+              <a:t>29/12/2019</a:t>
             </a:fld>
             <a:endParaRPr lang="fr-FR" dirty="0"/>
           </a:p>
@@ -1109,7 +1109,7 @@
             <a:fld id="{938FC91C-8F72-4FC3-9EE1-E00D3E055101}" type="datetimeFigureOut">
               <a:rPr lang="fr-FR" smtClean="0"/>
               <a:pPr/>
-              <a:t>28/12/2019</a:t>
+              <a:t>29/12/2019</a:t>
             </a:fld>
             <a:endParaRPr lang="fr-FR" dirty="0"/>
           </a:p>
@@ -1224,7 +1224,7 @@
           <a:p>
             <a:fld id="{938FC91C-8F72-4FC3-9EE1-E00D3E055101}" type="datetimeFigureOut">
               <a:rPr lang="fr-FR" smtClean="0"/>
-              <a:t>28/12/2019</a:t>
+              <a:t>29/12/2019</a:t>
             </a:fld>
             <a:endParaRPr lang="fr-FR"/>
           </a:p>
@@ -1581,7 +1581,7 @@
           <a:p>
             <a:fld id="{938FC91C-8F72-4FC3-9EE1-E00D3E055101}" type="datetimeFigureOut">
               <a:rPr lang="fr-FR" smtClean="0"/>
-              <a:t>28/12/2019</a:t>
+              <a:t>29/12/2019</a:t>
             </a:fld>
             <a:endParaRPr lang="fr-FR" dirty="0"/>
           </a:p>
@@ -3798,9 +3798,9 @@
           <p:nvPr/>
         </p:nvCxnSpPr>
         <p:spPr>
-          <a:xfrm flipH="1">
-            <a:off x="8152580" y="3023460"/>
-            <a:ext cx="2400817" cy="1"/>
+          <a:xfrm>
+            <a:off x="8138724" y="2869131"/>
+            <a:ext cx="2427373" cy="8299"/>
           </a:xfrm>
           <a:prstGeom prst="straightConnector1">
             <a:avLst/>
@@ -4715,7 +4715,7 @@
         </p:nvSpPr>
         <p:spPr>
           <a:xfrm>
-            <a:off x="8806242" y="2756958"/>
+            <a:off x="8631033" y="2870643"/>
             <a:ext cx="1422944" cy="246221"/>
           </a:xfrm>
           <a:prstGeom prst="rect">
@@ -4733,7 +4733,7 @@
               <a:rPr lang="fr-FR" sz="1000" dirty="0">
                 <a:latin typeface="Abadi Extra Light" panose="020B0204020104020204" pitchFamily="34" charset="0"/>
               </a:rPr>
-              <a:t>3.1 : Commit de la MAJ</a:t>
+              <a:t>3.2 : Commit de la MAJ</a:t>
             </a:r>
           </a:p>
         </p:txBody>
@@ -4770,7 +4770,7 @@
               <a:rPr lang="fr-FR" sz="1000" dirty="0">
                 <a:latin typeface="Abadi Extra Light" panose="020B0204020104020204" pitchFamily="34" charset="0"/>
               </a:rPr>
-              <a:t>3.2 : Test du </a:t>
+              <a:t>3.3 : Test du </a:t>
             </a:r>
             <a:r>
               <a:rPr lang="fr-FR" sz="1000" dirty="0" err="1">
@@ -4816,7 +4816,7 @@
               <a:rPr lang="fr-FR" sz="1000" dirty="0">
                 <a:latin typeface="Abadi Extra Light" panose="020B0204020104020204" pitchFamily="34" charset="0"/>
               </a:rPr>
-              <a:t>3.3 : Etat des tests</a:t>
+              <a:t>3.4 : Etat des tests</a:t>
             </a:r>
           </a:p>
         </p:txBody>
@@ -4853,7 +4853,7 @@
               <a:rPr lang="fr-FR" sz="1000" dirty="0">
                 <a:latin typeface="Abadi Extra Light" panose="020B0204020104020204" pitchFamily="34" charset="0"/>
               </a:rPr>
-              <a:t>3.4 : </a:t>
+              <a:t>3.5 : </a:t>
             </a:r>
             <a:r>
               <a:rPr lang="fr-FR" sz="1000" dirty="0" err="1">
@@ -4902,7 +4902,7 @@
               <a:rPr lang="fr-FR" sz="1000" dirty="0">
                 <a:latin typeface="Abadi Extra Light" panose="020B0204020104020204" pitchFamily="34" charset="0"/>
               </a:rPr>
-              <a:t>3.5 : update</a:t>
+              <a:t>3.6 : update</a:t>
             </a:r>
           </a:p>
         </p:txBody>
@@ -4939,7 +4939,7 @@
               <a:rPr lang="fr-FR" sz="1000" dirty="0">
                 <a:latin typeface="Abadi Extra Light" panose="020B0204020104020204" pitchFamily="34" charset="0"/>
               </a:rPr>
-              <a:t>3.6 : statut de la box</a:t>
+              <a:t>3.7 : statut de la box</a:t>
             </a:r>
           </a:p>
         </p:txBody>
@@ -4976,7 +4976,7 @@
               <a:rPr lang="fr-FR" sz="1000" dirty="0">
                 <a:latin typeface="Abadi Extra Light" panose="020B0204020104020204" pitchFamily="34" charset="0"/>
               </a:rPr>
-              <a:t>3.7 : statut des boxes</a:t>
+              <a:t>3.8 : statut des boxes</a:t>
             </a:r>
           </a:p>
         </p:txBody>
@@ -5375,6 +5375,200 @@
           </p:style>
         </p:cxnSp>
       </p:grpSp>
+      <p:grpSp>
+        <p:nvGrpSpPr>
+          <p:cNvPr id="71" name="Groupe 70">
+            <a:extLst>
+              <a:ext uri="{FF2B5EF4-FFF2-40B4-BE49-F238E27FC236}">
+                <a16:creationId xmlns:a16="http://schemas.microsoft.com/office/drawing/2014/main" id="{6FB4B359-7777-43F7-8FEC-1C709C64CC2F}"/>
+              </a:ext>
+            </a:extLst>
+          </p:cNvPr>
+          <p:cNvGrpSpPr/>
+          <p:nvPr/>
+        </p:nvGrpSpPr>
+        <p:grpSpPr>
+          <a:xfrm flipH="1">
+            <a:off x="8210069" y="3055022"/>
+            <a:ext cx="2394018" cy="130563"/>
+            <a:chOff x="4150519" y="1639246"/>
+            <a:chExt cx="1369743" cy="94304"/>
+          </a:xfrm>
+        </p:grpSpPr>
+        <p:cxnSp>
+          <p:nvCxnSpPr>
+            <p:cNvPr id="72" name="Connecteur droit 71">
+              <a:extLst>
+                <a:ext uri="{FF2B5EF4-FFF2-40B4-BE49-F238E27FC236}">
+                  <a16:creationId xmlns:a16="http://schemas.microsoft.com/office/drawing/2014/main" id="{A1FC1591-E2B1-41B0-9F26-0C2B4CFD03B4}"/>
+                </a:ext>
+              </a:extLst>
+            </p:cNvPr>
+            <p:cNvCxnSpPr>
+              <a:cxnSpLocks/>
+            </p:cNvCxnSpPr>
+            <p:nvPr/>
+          </p:nvCxnSpPr>
+          <p:spPr>
+            <a:xfrm flipH="1" flipV="1">
+              <a:off x="5472226" y="1639246"/>
+              <a:ext cx="46753" cy="43618"/>
+            </a:xfrm>
+            <a:prstGeom prst="line">
+              <a:avLst/>
+            </a:prstGeom>
+            <a:ln w="19050">
+              <a:solidFill>
+                <a:schemeClr val="bg1">
+                  <a:lumMod val="50000"/>
+                </a:schemeClr>
+              </a:solidFill>
+              <a:prstDash val="dash"/>
+            </a:ln>
+          </p:spPr>
+          <p:style>
+            <a:lnRef idx="1">
+              <a:schemeClr val="accent1"/>
+            </a:lnRef>
+            <a:fillRef idx="0">
+              <a:schemeClr val="accent1"/>
+            </a:fillRef>
+            <a:effectRef idx="0">
+              <a:schemeClr val="accent1"/>
+            </a:effectRef>
+            <a:fontRef idx="minor">
+              <a:schemeClr val="tx1"/>
+            </a:fontRef>
+          </p:style>
+        </p:cxnSp>
+        <p:cxnSp>
+          <p:nvCxnSpPr>
+            <p:cNvPr id="73" name="Connecteur droit 72">
+              <a:extLst>
+                <a:ext uri="{FF2B5EF4-FFF2-40B4-BE49-F238E27FC236}">
+                  <a16:creationId xmlns:a16="http://schemas.microsoft.com/office/drawing/2014/main" id="{BCE3CB68-0808-4DA2-BE7C-E91B9D72CE60}"/>
+                </a:ext>
+              </a:extLst>
+            </p:cNvPr>
+            <p:cNvCxnSpPr>
+              <a:cxnSpLocks/>
+            </p:cNvCxnSpPr>
+            <p:nvPr/>
+          </p:nvCxnSpPr>
+          <p:spPr>
+            <a:xfrm flipH="1">
+              <a:off x="5472226" y="1681040"/>
+              <a:ext cx="48036" cy="52510"/>
+            </a:xfrm>
+            <a:prstGeom prst="line">
+              <a:avLst/>
+            </a:prstGeom>
+            <a:ln w="19050">
+              <a:solidFill>
+                <a:schemeClr val="bg1">
+                  <a:lumMod val="50000"/>
+                </a:schemeClr>
+              </a:solidFill>
+              <a:prstDash val="dash"/>
+            </a:ln>
+          </p:spPr>
+          <p:style>
+            <a:lnRef idx="1">
+              <a:schemeClr val="accent1"/>
+            </a:lnRef>
+            <a:fillRef idx="0">
+              <a:schemeClr val="accent1"/>
+            </a:fillRef>
+            <a:effectRef idx="0">
+              <a:schemeClr val="accent1"/>
+            </a:effectRef>
+            <a:fontRef idx="minor">
+              <a:schemeClr val="tx1"/>
+            </a:fontRef>
+          </p:style>
+        </p:cxnSp>
+        <p:cxnSp>
+          <p:nvCxnSpPr>
+            <p:cNvPr id="74" name="Connecteur droit 73">
+              <a:extLst>
+                <a:ext uri="{FF2B5EF4-FFF2-40B4-BE49-F238E27FC236}">
+                  <a16:creationId xmlns:a16="http://schemas.microsoft.com/office/drawing/2014/main" id="{953392C8-4E01-4344-BEF3-BE04873EDFC5}"/>
+                </a:ext>
+              </a:extLst>
+            </p:cNvPr>
+            <p:cNvCxnSpPr/>
+            <p:nvPr/>
+          </p:nvCxnSpPr>
+          <p:spPr>
+            <a:xfrm flipH="1">
+              <a:off x="4150519" y="1682863"/>
+              <a:ext cx="1368460" cy="0"/>
+            </a:xfrm>
+            <a:prstGeom prst="line">
+              <a:avLst/>
+            </a:prstGeom>
+            <a:ln w="19050">
+              <a:solidFill>
+                <a:schemeClr val="bg1">
+                  <a:lumMod val="50000"/>
+                </a:schemeClr>
+              </a:solidFill>
+              <a:prstDash val="dash"/>
+            </a:ln>
+          </p:spPr>
+          <p:style>
+            <a:lnRef idx="1">
+              <a:schemeClr val="accent1"/>
+            </a:lnRef>
+            <a:fillRef idx="0">
+              <a:schemeClr val="accent1"/>
+            </a:fillRef>
+            <a:effectRef idx="0">
+              <a:schemeClr val="accent1"/>
+            </a:effectRef>
+            <a:fontRef idx="minor">
+              <a:schemeClr val="tx1"/>
+            </a:fontRef>
+          </p:style>
+        </p:cxnSp>
+      </p:grpSp>
+      <p:sp>
+        <p:nvSpPr>
+          <p:cNvPr id="77" name="ZoneTexte 76">
+            <a:extLst>
+              <a:ext uri="{FF2B5EF4-FFF2-40B4-BE49-F238E27FC236}">
+                <a16:creationId xmlns:a16="http://schemas.microsoft.com/office/drawing/2014/main" id="{E9489410-8056-44AD-96FD-2ACD93667C48}"/>
+              </a:ext>
+            </a:extLst>
+          </p:cNvPr>
+          <p:cNvSpPr txBox="1"/>
+          <p:nvPr/>
+        </p:nvSpPr>
+        <p:spPr>
+          <a:xfrm>
+            <a:off x="8337924" y="2642077"/>
+            <a:ext cx="2060632" cy="246221"/>
+          </a:xfrm>
+          <a:prstGeom prst="rect">
+            <a:avLst/>
+          </a:prstGeom>
+          <a:noFill/>
+        </p:spPr>
+        <p:txBody>
+          <a:bodyPr wrap="square" rtlCol="0">
+            <a:spAutoFit/>
+          </a:bodyPr>
+          <a:lstStyle/>
+          <a:p>
+            <a:r>
+              <a:rPr lang="fr-FR" sz="1000" dirty="0">
+                <a:latin typeface="Abadi Extra Light" panose="020B0204020104020204" pitchFamily="34" charset="0"/>
+              </a:rPr>
+              <a:t>3.1 Une nouvelle MAJ à distribuer</a:t>
+            </a:r>
+          </a:p>
+        </p:txBody>
+      </p:sp>
     </p:spTree>
     <p:extLst>
       <p:ext uri="{BB962C8B-B14F-4D97-AF65-F5344CB8AC3E}">
@@ -8537,8 +8731,8 @@
         </p:nvSpPr>
         <p:spPr>
           <a:xfrm>
-            <a:off x="2285265" y="1339498"/>
-            <a:ext cx="211570" cy="1542246"/>
+            <a:off x="2285265" y="1339497"/>
+            <a:ext cx="191999" cy="1764805"/>
           </a:xfrm>
           <a:prstGeom prst="rect">
             <a:avLst/>
@@ -8802,198 +8996,6 @@
             <a:r>
               <a:rPr lang="fr-FR" sz="1000" dirty="0"/>
               <a:t>1.2 : affiche la vidéo</a:t>
-            </a:r>
-          </a:p>
-        </p:txBody>
-      </p:sp>
-      <p:grpSp>
-        <p:nvGrpSpPr>
-          <p:cNvPr id="66" name="Groupe 65">
-            <a:extLst>
-              <a:ext uri="{FF2B5EF4-FFF2-40B4-BE49-F238E27FC236}">
-                <a16:creationId xmlns:a16="http://schemas.microsoft.com/office/drawing/2014/main" id="{E848831A-210E-4A13-A3F9-1996A30F863C}"/>
-              </a:ext>
-            </a:extLst>
-          </p:cNvPr>
-          <p:cNvGrpSpPr/>
-          <p:nvPr/>
-        </p:nvGrpSpPr>
-        <p:grpSpPr>
-          <a:xfrm>
-            <a:off x="2496835" y="2210887"/>
-            <a:ext cx="448505" cy="301781"/>
-            <a:chOff x="5644297" y="2301716"/>
-            <a:chExt cx="334873" cy="191453"/>
-          </a:xfrm>
-        </p:grpSpPr>
-        <p:cxnSp>
-          <p:nvCxnSpPr>
-            <p:cNvPr id="67" name="Connecteur droit 66">
-              <a:extLst>
-                <a:ext uri="{FF2B5EF4-FFF2-40B4-BE49-F238E27FC236}">
-                  <a16:creationId xmlns:a16="http://schemas.microsoft.com/office/drawing/2014/main" id="{B22CB248-BA02-4157-B020-57BFFC8CE705}"/>
-                </a:ext>
-              </a:extLst>
-            </p:cNvPr>
-            <p:cNvCxnSpPr>
-              <a:cxnSpLocks/>
-            </p:cNvCxnSpPr>
-            <p:nvPr/>
-          </p:nvCxnSpPr>
-          <p:spPr>
-            <a:xfrm>
-              <a:off x="5653821" y="2301716"/>
-              <a:ext cx="325349" cy="0"/>
-            </a:xfrm>
-            <a:prstGeom prst="line">
-              <a:avLst/>
-            </a:prstGeom>
-            <a:ln w="19050">
-              <a:solidFill>
-                <a:schemeClr val="bg1">
-                  <a:lumMod val="50000"/>
-                </a:schemeClr>
-              </a:solidFill>
-            </a:ln>
-          </p:spPr>
-          <p:style>
-            <a:lnRef idx="1">
-              <a:schemeClr val="accent1"/>
-            </a:lnRef>
-            <a:fillRef idx="0">
-              <a:schemeClr val="accent1"/>
-            </a:fillRef>
-            <a:effectRef idx="0">
-              <a:schemeClr val="accent1"/>
-            </a:effectRef>
-            <a:fontRef idx="minor">
-              <a:schemeClr val="tx1"/>
-            </a:fontRef>
-          </p:style>
-        </p:cxnSp>
-        <p:cxnSp>
-          <p:nvCxnSpPr>
-            <p:cNvPr id="68" name="Connecteur droit 67">
-              <a:extLst>
-                <a:ext uri="{FF2B5EF4-FFF2-40B4-BE49-F238E27FC236}">
-                  <a16:creationId xmlns:a16="http://schemas.microsoft.com/office/drawing/2014/main" id="{6DA84A8F-B67F-4B33-BAA8-8FED947D4C0F}"/>
-                </a:ext>
-              </a:extLst>
-            </p:cNvPr>
-            <p:cNvCxnSpPr>
-              <a:cxnSpLocks/>
-            </p:cNvCxnSpPr>
-            <p:nvPr/>
-          </p:nvCxnSpPr>
-          <p:spPr>
-            <a:xfrm>
-              <a:off x="5969646" y="2304097"/>
-              <a:ext cx="0" cy="189072"/>
-            </a:xfrm>
-            <a:prstGeom prst="line">
-              <a:avLst/>
-            </a:prstGeom>
-            <a:ln w="19050">
-              <a:solidFill>
-                <a:schemeClr val="bg1">
-                  <a:lumMod val="50000"/>
-                </a:schemeClr>
-              </a:solidFill>
-            </a:ln>
-          </p:spPr>
-          <p:style>
-            <a:lnRef idx="1">
-              <a:schemeClr val="accent1"/>
-            </a:lnRef>
-            <a:fillRef idx="0">
-              <a:schemeClr val="accent1"/>
-            </a:fillRef>
-            <a:effectRef idx="0">
-              <a:schemeClr val="accent1"/>
-            </a:effectRef>
-            <a:fontRef idx="minor">
-              <a:schemeClr val="tx1"/>
-            </a:fontRef>
-          </p:style>
-        </p:cxnSp>
-        <p:cxnSp>
-          <p:nvCxnSpPr>
-            <p:cNvPr id="69" name="Connecteur droit avec flèche 68">
-              <a:extLst>
-                <a:ext uri="{FF2B5EF4-FFF2-40B4-BE49-F238E27FC236}">
-                  <a16:creationId xmlns:a16="http://schemas.microsoft.com/office/drawing/2014/main" id="{265557F5-7D5D-4084-8DD6-09118D477AF9}"/>
-                </a:ext>
-              </a:extLst>
-            </p:cNvPr>
-            <p:cNvCxnSpPr>
-              <a:cxnSpLocks/>
-            </p:cNvCxnSpPr>
-            <p:nvPr/>
-          </p:nvCxnSpPr>
-          <p:spPr>
-            <a:xfrm flipH="1">
-              <a:off x="5644297" y="2483239"/>
-              <a:ext cx="325350" cy="0"/>
-            </a:xfrm>
-            <a:prstGeom prst="straightConnector1">
-              <a:avLst/>
-            </a:prstGeom>
-            <a:ln w="19050">
-              <a:solidFill>
-                <a:schemeClr val="bg1">
-                  <a:lumMod val="50000"/>
-                </a:schemeClr>
-              </a:solidFill>
-              <a:tailEnd type="triangle"/>
-            </a:ln>
-          </p:spPr>
-          <p:style>
-            <a:lnRef idx="1">
-              <a:schemeClr val="dk1"/>
-            </a:lnRef>
-            <a:fillRef idx="0">
-              <a:schemeClr val="dk1"/>
-            </a:fillRef>
-            <a:effectRef idx="0">
-              <a:schemeClr val="dk1"/>
-            </a:effectRef>
-            <a:fontRef idx="minor">
-              <a:schemeClr val="tx1"/>
-            </a:fontRef>
-          </p:style>
-        </p:cxnSp>
-      </p:grpSp>
-      <p:sp>
-        <p:nvSpPr>
-          <p:cNvPr id="70" name="ZoneTexte 69">
-            <a:extLst>
-              <a:ext uri="{FF2B5EF4-FFF2-40B4-BE49-F238E27FC236}">
-                <a16:creationId xmlns:a16="http://schemas.microsoft.com/office/drawing/2014/main" id="{0E130884-968F-493B-B038-F32C7861C26B}"/>
-              </a:ext>
-            </a:extLst>
-          </p:cNvPr>
-          <p:cNvSpPr txBox="1"/>
-          <p:nvPr/>
-        </p:nvSpPr>
-        <p:spPr>
-          <a:xfrm>
-            <a:off x="2936105" y="2227149"/>
-            <a:ext cx="767585" cy="246221"/>
-          </a:xfrm>
-          <a:prstGeom prst="rect">
-            <a:avLst/>
-          </a:prstGeom>
-          <a:noFill/>
-        </p:spPr>
-        <p:txBody>
-          <a:bodyPr wrap="square" rtlCol="0">
-            <a:spAutoFit/>
-          </a:bodyPr>
-          <a:lstStyle/>
-          <a:p>
-            <a:r>
-              <a:rPr lang="fr-FR" sz="1000" dirty="0"/>
-              <a:t>2.1 : part</a:t>
             </a:r>
           </a:p>
         </p:txBody>
@@ -9393,8 +9395,8 @@
         </p:nvSpPr>
         <p:spPr>
           <a:xfrm>
-            <a:off x="2294334" y="3363460"/>
-            <a:ext cx="211570" cy="1542246"/>
+            <a:off x="2294333" y="4048230"/>
+            <a:ext cx="202181" cy="501302"/>
           </a:xfrm>
           <a:prstGeom prst="rect">
             <a:avLst/>
@@ -9435,163 +9437,6 @@
           </a:p>
         </p:txBody>
       </p:sp>
-      <p:grpSp>
-        <p:nvGrpSpPr>
-          <p:cNvPr id="85" name="Groupe 84">
-            <a:extLst>
-              <a:ext uri="{FF2B5EF4-FFF2-40B4-BE49-F238E27FC236}">
-                <a16:creationId xmlns:a16="http://schemas.microsoft.com/office/drawing/2014/main" id="{DB6C9244-5D31-49C0-B2A2-7B589C297694}"/>
-              </a:ext>
-            </a:extLst>
-          </p:cNvPr>
-          <p:cNvGrpSpPr/>
-          <p:nvPr/>
-        </p:nvGrpSpPr>
-        <p:grpSpPr>
-          <a:xfrm>
-            <a:off x="2502974" y="3901245"/>
-            <a:ext cx="448505" cy="301781"/>
-            <a:chOff x="5644297" y="2301716"/>
-            <a:chExt cx="334873" cy="191453"/>
-          </a:xfrm>
-        </p:grpSpPr>
-        <p:cxnSp>
-          <p:nvCxnSpPr>
-            <p:cNvPr id="86" name="Connecteur droit 85">
-              <a:extLst>
-                <a:ext uri="{FF2B5EF4-FFF2-40B4-BE49-F238E27FC236}">
-                  <a16:creationId xmlns:a16="http://schemas.microsoft.com/office/drawing/2014/main" id="{C592B3EA-D546-461A-80FC-E7E750F3EE77}"/>
-                </a:ext>
-              </a:extLst>
-            </p:cNvPr>
-            <p:cNvCxnSpPr>
-              <a:cxnSpLocks/>
-            </p:cNvCxnSpPr>
-            <p:nvPr/>
-          </p:nvCxnSpPr>
-          <p:spPr>
-            <a:xfrm>
-              <a:off x="5653821" y="2301716"/>
-              <a:ext cx="325349" cy="0"/>
-            </a:xfrm>
-            <a:prstGeom prst="line">
-              <a:avLst/>
-            </a:prstGeom>
-            <a:ln w="19050">
-              <a:solidFill>
-                <a:schemeClr val="bg1">
-                  <a:lumMod val="50000"/>
-                </a:schemeClr>
-              </a:solidFill>
-            </a:ln>
-          </p:spPr>
-          <p:style>
-            <a:lnRef idx="1">
-              <a:schemeClr val="accent1"/>
-            </a:lnRef>
-            <a:fillRef idx="0">
-              <a:schemeClr val="accent1"/>
-            </a:fillRef>
-            <a:effectRef idx="0">
-              <a:schemeClr val="accent1"/>
-            </a:effectRef>
-            <a:fontRef idx="minor">
-              <a:schemeClr val="tx1"/>
-            </a:fontRef>
-          </p:style>
-        </p:cxnSp>
-        <p:cxnSp>
-          <p:nvCxnSpPr>
-            <p:cNvPr id="90" name="Connecteur droit 89">
-              <a:extLst>
-                <a:ext uri="{FF2B5EF4-FFF2-40B4-BE49-F238E27FC236}">
-                  <a16:creationId xmlns:a16="http://schemas.microsoft.com/office/drawing/2014/main" id="{72BE1E5F-EC10-479F-98C4-51DA2654F510}"/>
-                </a:ext>
-              </a:extLst>
-            </p:cNvPr>
-            <p:cNvCxnSpPr>
-              <a:cxnSpLocks/>
-            </p:cNvCxnSpPr>
-            <p:nvPr/>
-          </p:nvCxnSpPr>
-          <p:spPr>
-            <a:xfrm>
-              <a:off x="5969646" y="2304097"/>
-              <a:ext cx="0" cy="189072"/>
-            </a:xfrm>
-            <a:prstGeom prst="line">
-              <a:avLst/>
-            </a:prstGeom>
-            <a:ln w="19050">
-              <a:solidFill>
-                <a:schemeClr val="bg1">
-                  <a:lumMod val="50000"/>
-                </a:schemeClr>
-              </a:solidFill>
-            </a:ln>
-          </p:spPr>
-          <p:style>
-            <a:lnRef idx="1">
-              <a:schemeClr val="accent1"/>
-            </a:lnRef>
-            <a:fillRef idx="0">
-              <a:schemeClr val="accent1"/>
-            </a:fillRef>
-            <a:effectRef idx="0">
-              <a:schemeClr val="accent1"/>
-            </a:effectRef>
-            <a:fontRef idx="minor">
-              <a:schemeClr val="tx1"/>
-            </a:fontRef>
-          </p:style>
-        </p:cxnSp>
-        <p:cxnSp>
-          <p:nvCxnSpPr>
-            <p:cNvPr id="91" name="Connecteur droit avec flèche 90">
-              <a:extLst>
-                <a:ext uri="{FF2B5EF4-FFF2-40B4-BE49-F238E27FC236}">
-                  <a16:creationId xmlns:a16="http://schemas.microsoft.com/office/drawing/2014/main" id="{79B18709-B288-476E-B240-A05DFE0AAD70}"/>
-                </a:ext>
-              </a:extLst>
-            </p:cNvPr>
-            <p:cNvCxnSpPr>
-              <a:cxnSpLocks/>
-            </p:cNvCxnSpPr>
-            <p:nvPr/>
-          </p:nvCxnSpPr>
-          <p:spPr>
-            <a:xfrm flipH="1">
-              <a:off x="5644297" y="2483239"/>
-              <a:ext cx="325350" cy="0"/>
-            </a:xfrm>
-            <a:prstGeom prst="straightConnector1">
-              <a:avLst/>
-            </a:prstGeom>
-            <a:ln w="19050">
-              <a:solidFill>
-                <a:schemeClr val="bg1">
-                  <a:lumMod val="50000"/>
-                </a:schemeClr>
-              </a:solidFill>
-              <a:tailEnd type="triangle"/>
-            </a:ln>
-          </p:spPr>
-          <p:style>
-            <a:lnRef idx="1">
-              <a:schemeClr val="dk1"/>
-            </a:lnRef>
-            <a:fillRef idx="0">
-              <a:schemeClr val="dk1"/>
-            </a:fillRef>
-            <a:effectRef idx="0">
-              <a:schemeClr val="dk1"/>
-            </a:effectRef>
-            <a:fontRef idx="minor">
-              <a:schemeClr val="tx1"/>
-            </a:fontRef>
-          </p:style>
-        </p:cxnSp>
-      </p:grpSp>
       <p:sp>
         <p:nvSpPr>
           <p:cNvPr id="92" name="ZoneTexte 91">
@@ -9606,7 +9451,7 @@
         </p:nvSpPr>
         <p:spPr>
           <a:xfrm>
-            <a:off x="2942244" y="3917507"/>
+            <a:off x="3564572" y="4031271"/>
             <a:ext cx="844655" cy="246221"/>
           </a:xfrm>
           <a:prstGeom prst="rect">
@@ -10202,6 +10047,133 @@
           </a:p>
         </p:txBody>
       </p:sp>
+      <p:cxnSp>
+        <p:nvCxnSpPr>
+          <p:cNvPr id="55" name="Connecteur droit avec flèche 54">
+            <a:extLst>
+              <a:ext uri="{FF2B5EF4-FFF2-40B4-BE49-F238E27FC236}">
+                <a16:creationId xmlns:a16="http://schemas.microsoft.com/office/drawing/2014/main" id="{48C5BDF1-9EBC-4192-9ABA-0524CD5D1A4E}"/>
+              </a:ext>
+            </a:extLst>
+          </p:cNvPr>
+          <p:cNvCxnSpPr>
+            <a:cxnSpLocks/>
+          </p:cNvCxnSpPr>
+          <p:nvPr/>
+        </p:nvCxnSpPr>
+        <p:spPr>
+          <a:xfrm>
+            <a:off x="2455628" y="2895055"/>
+            <a:ext cx="3047638" cy="16960"/>
+          </a:xfrm>
+          <a:prstGeom prst="straightConnector1">
+            <a:avLst/>
+          </a:prstGeom>
+          <a:ln w="19050">
+            <a:solidFill>
+              <a:schemeClr val="bg1">
+                <a:lumMod val="50000"/>
+              </a:schemeClr>
+            </a:solidFill>
+            <a:tailEnd type="triangle"/>
+          </a:ln>
+        </p:spPr>
+        <p:style>
+          <a:lnRef idx="1">
+            <a:schemeClr val="dk1"/>
+          </a:lnRef>
+          <a:fillRef idx="0">
+            <a:schemeClr val="dk1"/>
+          </a:fillRef>
+          <a:effectRef idx="0">
+            <a:schemeClr val="dk1"/>
+          </a:effectRef>
+          <a:fontRef idx="minor">
+            <a:schemeClr val="tx1"/>
+          </a:fontRef>
+        </p:style>
+      </p:cxnSp>
+      <p:sp>
+        <p:nvSpPr>
+          <p:cNvPr id="57" name="ZoneTexte 56">
+            <a:extLst>
+              <a:ext uri="{FF2B5EF4-FFF2-40B4-BE49-F238E27FC236}">
+                <a16:creationId xmlns:a16="http://schemas.microsoft.com/office/drawing/2014/main" id="{DEF06714-E3D6-44C5-B51E-D03598881AB1}"/>
+              </a:ext>
+            </a:extLst>
+          </p:cNvPr>
+          <p:cNvSpPr txBox="1"/>
+          <p:nvPr/>
+        </p:nvSpPr>
+        <p:spPr>
+          <a:xfrm>
+            <a:off x="3356315" y="2628062"/>
+            <a:ext cx="1189009" cy="246221"/>
+          </a:xfrm>
+          <a:prstGeom prst="rect">
+            <a:avLst/>
+          </a:prstGeom>
+          <a:noFill/>
+        </p:spPr>
+        <p:txBody>
+          <a:bodyPr wrap="square" rtlCol="0">
+            <a:spAutoFit/>
+          </a:bodyPr>
+          <a:lstStyle/>
+          <a:p>
+            <a:r>
+              <a:rPr lang="fr-FR" sz="1000" dirty="0"/>
+              <a:t>2.1 : part</a:t>
+            </a:r>
+          </a:p>
+        </p:txBody>
+      </p:sp>
+      <p:cxnSp>
+        <p:nvCxnSpPr>
+          <p:cNvPr id="58" name="Connecteur droit avec flèche 57">
+            <a:extLst>
+              <a:ext uri="{FF2B5EF4-FFF2-40B4-BE49-F238E27FC236}">
+                <a16:creationId xmlns:a16="http://schemas.microsoft.com/office/drawing/2014/main" id="{F83A9A72-53C7-4633-B7AE-386D33BC3DD4}"/>
+              </a:ext>
+            </a:extLst>
+          </p:cNvPr>
+          <p:cNvCxnSpPr>
+            <a:cxnSpLocks/>
+          </p:cNvCxnSpPr>
+          <p:nvPr/>
+        </p:nvCxnSpPr>
+        <p:spPr>
+          <a:xfrm>
+            <a:off x="2420257" y="4269820"/>
+            <a:ext cx="3047638" cy="16960"/>
+          </a:xfrm>
+          <a:prstGeom prst="straightConnector1">
+            <a:avLst/>
+          </a:prstGeom>
+          <a:ln w="19050">
+            <a:solidFill>
+              <a:schemeClr val="bg1">
+                <a:lumMod val="50000"/>
+              </a:schemeClr>
+            </a:solidFill>
+            <a:tailEnd type="triangle"/>
+          </a:ln>
+        </p:spPr>
+        <p:style>
+          <a:lnRef idx="1">
+            <a:schemeClr val="dk1"/>
+          </a:lnRef>
+          <a:fillRef idx="0">
+            <a:schemeClr val="dk1"/>
+          </a:fillRef>
+          <a:effectRef idx="0">
+            <a:schemeClr val="dk1"/>
+          </a:effectRef>
+          <a:fontRef idx="minor">
+            <a:schemeClr val="tx1"/>
+          </a:fontRef>
+        </p:style>
+      </p:cxnSp>
     </p:spTree>
     <p:extLst>
       <p:ext uri="{BB962C8B-B14F-4D97-AF65-F5344CB8AC3E}">
